--- a/brp/tcrb/tus-cps/Liu-TUSCPS-TCRB2018.pptx
+++ b/brp/tcrb/tus-cps/Liu-TUSCPS-TCRB2018.pptx
@@ -207,7 +207,7 @@
       </p14:sectionLst>
     </p:ext>
     <p:ext uri="{EFAFB233-063F-42B5-8137-9DF3F51BA10A}">
-      <p15:sldGuideLst xmlns:p15="http://schemas.microsoft.com/office/powerpoint/2012/main">
+      <p15:sldGuideLst xmlns:p15="http://schemas.microsoft.com/office/powerpoint/2012/main" xmlns="">
         <p15:guide id="1" orient="horz" pos="3648">
           <p15:clr>
             <a:srgbClr val="A4A3A4"/>
@@ -236,7 +236,7 @@
       </p15:sldGuideLst>
     </p:ext>
     <p:ext uri="{2D200454-40CA-4A62-9FC3-DE9A4176ACB9}">
-      <p15:notesGuideLst xmlns:p15="http://schemas.microsoft.com/office/powerpoint/2012/main">
+      <p15:notesGuideLst xmlns:p15="http://schemas.microsoft.com/office/powerpoint/2012/main" xmlns="">
         <p15:guide id="1" orient="horz" pos="2932">
           <p15:clr>
             <a:srgbClr val="A4A3A4"/>
@@ -3080,7 +3080,7 @@
           <a:graphicData uri="http://schemas.openxmlformats.org/presentationml/2006/ole">
             <mc:AlternateContent xmlns:mc="http://schemas.openxmlformats.org/markup-compatibility/2006">
               <mc:Choice xmlns:v="urn:schemas-microsoft-com:vml" Requires="v">
-                <p:oleObj spid="_x0000_s112793" name="Image" r:id="rId3" imgW="2679365" imgH="14298413" progId="Photoshop.Image.9">
+                <p:oleObj spid="_x0000_s112798" name="Image" r:id="rId3" imgW="2679365" imgH="14298413" progId="Photoshop.Image.9">
                   <p:embed/>
                 </p:oleObj>
               </mc:Choice>
@@ -11758,7 +11758,7 @@
           <a:graphicData uri="http://schemas.openxmlformats.org/presentationml/2006/ole">
             <mc:AlternateContent xmlns:mc="http://schemas.openxmlformats.org/markup-compatibility/2006">
               <mc:Choice xmlns:v="urn:schemas-microsoft-com:vml" Requires="v">
-                <p:oleObj spid="_x0000_s113817" name="Image" r:id="rId4" imgW="38082540" imgH="380818" progId="Photoshop.Image.10">
+                <p:oleObj spid="_x0000_s113822" name="Image" r:id="rId4" imgW="38082540" imgH="380818" progId="Photoshop.Image.10">
                   <p:embed/>
                 </p:oleObj>
               </mc:Choice>
@@ -16644,7 +16644,7 @@
           <a:graphicData uri="http://schemas.openxmlformats.org/presentationml/2006/ole">
             <mc:AlternateContent xmlns:mc="http://schemas.openxmlformats.org/markup-compatibility/2006">
               <mc:Choice xmlns:v="urn:schemas-microsoft-com:vml" Requires="v">
-                <p:oleObj spid="_x0000_s4260" name="Image" r:id="rId15" imgW="38082540" imgH="380818" progId="Photoshop.Image.10">
+                <p:oleObj spid="_x0000_s4265" name="Image" r:id="rId15" imgW="38082540" imgH="380818" progId="Photoshop.Image.10">
                   <p:embed/>
                 </p:oleObj>
               </mc:Choice>
@@ -18264,7 +18264,7 @@
                       <m:sSubPr>
                         <m:ctrlPr>
                           <a:rPr lang="en-US" sz="2400" b="0" i="1" smtClean="0">
-                            <a:latin typeface="Cambria Math" panose="02040503050406030204" pitchFamily="18" charset="0"/>
+                            <a:latin typeface="Cambria Math"/>
                             <a:cs typeface="Arial" pitchFamily="34" charset="0"/>
                           </a:rPr>
                         </m:ctrlPr>
@@ -18299,7 +18299,7 @@
                       <m:sSubPr>
                         <m:ctrlPr>
                           <a:rPr lang="en-US" sz="2400" b="0" i="1" smtClean="0">
-                            <a:latin typeface="Cambria Math" panose="02040503050406030204" pitchFamily="18" charset="0"/>
+                            <a:latin typeface="Cambria Math"/>
                             <a:cs typeface="Arial" pitchFamily="34" charset="0"/>
                           </a:rPr>
                         </m:ctrlPr>
@@ -18341,7 +18341,7 @@
                       <m:dPr>
                         <m:ctrlPr>
                           <a:rPr lang="en-US" sz="2400" b="0" i="1" smtClean="0">
-                            <a:latin typeface="Cambria Math" panose="02040503050406030204" pitchFamily="18" charset="0"/>
+                            <a:latin typeface="Cambria Math"/>
                             <a:cs typeface="Arial" pitchFamily="34" charset="0"/>
                           </a:rPr>
                         </m:ctrlPr>
@@ -18351,7 +18351,7 @@
                           <m:sSubPr>
                             <m:ctrlPr>
                               <a:rPr lang="en-US" sz="2400" i="1">
-                                <a:latin typeface="Cambria Math" panose="02040503050406030204" pitchFamily="18" charset="0"/>
+                                <a:latin typeface="Cambria Math"/>
                                 <a:cs typeface="Arial" pitchFamily="34" charset="0"/>
                               </a:rPr>
                             </m:ctrlPr>
@@ -18387,7 +18387,7 @@
                           <m:sSubPr>
                             <m:ctrlPr>
                               <a:rPr lang="en-US" sz="2400" b="0" i="1" smtClean="0">
-                                <a:latin typeface="Cambria Math" panose="02040503050406030204" pitchFamily="18" charset="0"/>
+                                <a:latin typeface="Cambria Math"/>
                                 <a:cs typeface="Arial" pitchFamily="34" charset="0"/>
                               </a:rPr>
                             </m:ctrlPr>
@@ -18438,7 +18438,7 @@
                       <m:sSubPr>
                         <m:ctrlPr>
                           <a:rPr lang="en-US" sz="2200" i="1" smtClean="0">
-                            <a:latin typeface="Cambria Math" panose="02040503050406030204" pitchFamily="18" charset="0"/>
+                            <a:latin typeface="Cambria Math"/>
                             <a:cs typeface="Arial" pitchFamily="34" charset="0"/>
                           </a:rPr>
                         </m:ctrlPr>
@@ -18494,7 +18494,7 @@
                       <m:sSubPr>
                         <m:ctrlPr>
                           <a:rPr lang="en-US" sz="2400" b="0" i="1" smtClean="0">
-                            <a:latin typeface="Cambria Math" panose="02040503050406030204" pitchFamily="18" charset="0"/>
+                            <a:latin typeface="Cambria Math"/>
                             <a:cs typeface="Arial" pitchFamily="34" charset="0"/>
                           </a:rPr>
                         </m:ctrlPr>
@@ -18529,7 +18529,7 @@
                       <m:sSubSupPr>
                         <m:ctrlPr>
                           <a:rPr lang="en-US" sz="2400" b="0" i="1" smtClean="0">
-                            <a:latin typeface="Cambria Math" panose="02040503050406030204" pitchFamily="18" charset="0"/>
+                            <a:latin typeface="Cambria Math"/>
                             <a:cs typeface="Arial" pitchFamily="34" charset="0"/>
                           </a:rPr>
                         </m:ctrlPr>
@@ -18582,7 +18582,7 @@
                       <m:sSubPr>
                         <m:ctrlPr>
                           <a:rPr lang="en-US" sz="2400" b="0" i="1" smtClean="0">
-                            <a:latin typeface="Cambria Math" panose="02040503050406030204" pitchFamily="18" charset="0"/>
+                            <a:latin typeface="Cambria Math"/>
                             <a:ea typeface="Cambria Math"/>
                             <a:cs typeface="Arial" pitchFamily="34" charset="0"/>
                           </a:rPr>
@@ -18632,7 +18632,7 @@
                       <m:sSubPr>
                         <m:ctrlPr>
                           <a:rPr lang="en-US" sz="2400" i="1" smtClean="0">
-                            <a:latin typeface="Cambria Math" panose="02040503050406030204" pitchFamily="18" charset="0"/>
+                            <a:latin typeface="Cambria Math"/>
                             <a:cs typeface="Arial" pitchFamily="34" charset="0"/>
                           </a:rPr>
                         </m:ctrlPr>
@@ -18746,7 +18746,7 @@
                         <m:sSubPr>
                           <m:ctrlPr>
                             <a:rPr lang="en-US" sz="2400" i="1">
-                              <a:latin typeface="Cambria Math" panose="02040503050406030204" pitchFamily="18" charset="0"/>
+                              <a:latin typeface="Cambria Math"/>
                               <a:cs typeface="Arial" pitchFamily="34" charset="0"/>
                             </a:rPr>
                           </m:ctrlPr>
@@ -18781,7 +18781,7 @@
                         <m:sSubSupPr>
                           <m:ctrlPr>
                             <a:rPr lang="en-US" sz="2400" i="1">
-                              <a:latin typeface="Cambria Math" panose="02040503050406030204" pitchFamily="18" charset="0"/>
+                              <a:latin typeface="Cambria Math"/>
                               <a:cs typeface="Arial" pitchFamily="34" charset="0"/>
                             </a:rPr>
                           </m:ctrlPr>
@@ -18834,7 +18834,7 @@
                         <m:sSubPr>
                           <m:ctrlPr>
                             <a:rPr lang="en-US" sz="2400" i="1">
-                              <a:latin typeface="Cambria Math" panose="02040503050406030204" pitchFamily="18" charset="0"/>
+                              <a:latin typeface="Cambria Math"/>
                               <a:ea typeface="Cambria Math"/>
                               <a:cs typeface="Arial" pitchFamily="34" charset="0"/>
                             </a:rPr>
@@ -18873,7 +18873,7 @@
                         <m:sSubPr>
                           <m:ctrlPr>
                             <a:rPr lang="en-US" sz="2400" b="0" i="1" smtClean="0">
-                              <a:latin typeface="Cambria Math" panose="02040503050406030204" pitchFamily="18" charset="0"/>
+                              <a:latin typeface="Cambria Math"/>
                               <a:ea typeface="Cambria Math"/>
                               <a:cs typeface="Arial" pitchFamily="34" charset="0"/>
                             </a:rPr>
@@ -18934,7 +18934,7 @@
                       <m:sSubPr>
                         <m:ctrlPr>
                           <a:rPr lang="en-US" sz="2400" i="1">
-                            <a:latin typeface="Cambria Math" panose="02040503050406030204" pitchFamily="18" charset="0"/>
+                            <a:latin typeface="Cambria Math"/>
                             <a:cs typeface="Arial" pitchFamily="34" charset="0"/>
                           </a:rPr>
                         </m:ctrlPr>
@@ -19008,7 +19008,7 @@
                       <m:sSubPr>
                         <m:ctrlPr>
                           <a:rPr lang="en-US" sz="2400" i="1">
-                            <a:latin typeface="Cambria Math" panose="02040503050406030204" pitchFamily="18" charset="0"/>
+                            <a:latin typeface="Cambria Math"/>
                             <a:cs typeface="Arial" pitchFamily="34" charset="0"/>
                           </a:rPr>
                         </m:ctrlPr>
@@ -19058,7 +19058,7 @@
                       <m:sSubPr>
                         <m:ctrlPr>
                           <a:rPr lang="en-US" sz="2400" i="1">
-                            <a:latin typeface="Cambria Math" panose="02040503050406030204" pitchFamily="18" charset="0"/>
+                            <a:latin typeface="Cambria Math"/>
                             <a:cs typeface="Arial" pitchFamily="34" charset="0"/>
                           </a:rPr>
                         </m:ctrlPr>
@@ -19117,7 +19117,7 @@
                       <m:sSubPr>
                         <m:ctrlPr>
                           <a:rPr lang="en-US" sz="2400" i="1">
-                            <a:latin typeface="Cambria Math" panose="02040503050406030204" pitchFamily="18" charset="0"/>
+                            <a:latin typeface="Cambria Math"/>
                             <a:cs typeface="Arial" pitchFamily="34" charset="0"/>
                           </a:rPr>
                         </m:ctrlPr>
@@ -19163,7 +19163,7 @@
                       <m:sSubPr>
                         <m:ctrlPr>
                           <a:rPr lang="en-US" sz="2400" i="1" smtClean="0">
-                            <a:latin typeface="Cambria Math" panose="02040503050406030204" pitchFamily="18" charset="0"/>
+                            <a:latin typeface="Cambria Math"/>
                             <a:cs typeface="Arial" pitchFamily="34" charset="0"/>
                           </a:rPr>
                         </m:ctrlPr>
@@ -19404,7 +19404,7 @@
                             <a:solidFill>
                               <a:srgbClr val="0033CC"/>
                             </a:solidFill>
-                            <a:latin typeface="Cambria Math" panose="02040503050406030204" pitchFamily="18" charset="0"/>
+                            <a:latin typeface="Cambria Math"/>
                             <a:cs typeface="Arial" pitchFamily="34" charset="0"/>
                           </a:rPr>
                         </m:ctrlPr>
@@ -19451,7 +19451,7 @@
                             <a:solidFill>
                               <a:srgbClr val="0033CC"/>
                             </a:solidFill>
-                            <a:latin typeface="Cambria Math" panose="02040503050406030204" pitchFamily="18" charset="0"/>
+                            <a:latin typeface="Cambria Math"/>
                             <a:cs typeface="Arial" pitchFamily="34" charset="0"/>
                           </a:rPr>
                         </m:ctrlPr>
@@ -19479,7 +19479,7 @@
                                 <a:solidFill>
                                   <a:srgbClr val="0033CC"/>
                                 </a:solidFill>
-                                <a:latin typeface="Cambria Math" panose="02040503050406030204" pitchFamily="18" charset="0"/>
+                                <a:latin typeface="Cambria Math"/>
                                 <a:cs typeface="Arial" pitchFamily="34" charset="0"/>
                               </a:rPr>
                             </m:ctrlPr>
@@ -19493,7 +19493,7 @@
                                     <a:solidFill>
                                       <a:srgbClr val="0033CC"/>
                                     </a:solidFill>
-                                    <a:latin typeface="Cambria Math" panose="02040503050406030204" pitchFamily="18" charset="0"/>
+                                    <a:latin typeface="Cambria Math"/>
                                     <a:cs typeface="Arial" pitchFamily="34" charset="0"/>
                                   </a:rPr>
                                 </m:ctrlPr>
@@ -19507,7 +19507,7 @@
                                         <a:solidFill>
                                           <a:srgbClr val="0033CC"/>
                                         </a:solidFill>
-                                        <a:latin typeface="Cambria Math" panose="02040503050406030204" pitchFamily="18" charset="0"/>
+                                        <a:latin typeface="Cambria Math"/>
                                         <a:cs typeface="Arial" pitchFamily="34" charset="0"/>
                                       </a:rPr>
                                     </m:ctrlPr>
@@ -19588,7 +19588,7 @@
                       <m:sSubPr>
                         <m:ctrlPr>
                           <a:rPr lang="en-US" sz="2400" b="0" i="1" smtClean="0">
-                            <a:latin typeface="Cambria Math" panose="02040503050406030204" pitchFamily="18" charset="0"/>
+                            <a:latin typeface="Cambria Math"/>
                             <a:cs typeface="Arial" pitchFamily="34" charset="0"/>
                           </a:rPr>
                         </m:ctrlPr>
@@ -19623,7 +19623,7 @@
                       <m:sSubPr>
                         <m:ctrlPr>
                           <a:rPr lang="en-US" sz="2400" b="0" i="1" smtClean="0">
-                            <a:latin typeface="Cambria Math" panose="02040503050406030204" pitchFamily="18" charset="0"/>
+                            <a:latin typeface="Cambria Math"/>
                             <a:cs typeface="Arial" pitchFamily="34" charset="0"/>
                           </a:rPr>
                         </m:ctrlPr>
@@ -19666,7 +19666,7 @@
                       <m:dPr>
                         <m:ctrlPr>
                           <a:rPr lang="en-US" sz="2400" b="0" i="1" smtClean="0">
-                            <a:latin typeface="Cambria Math" panose="02040503050406030204" pitchFamily="18" charset="0"/>
+                            <a:latin typeface="Cambria Math"/>
                             <a:cs typeface="Arial" pitchFamily="34" charset="0"/>
                           </a:rPr>
                         </m:ctrlPr>
@@ -19676,7 +19676,7 @@
                           <m:sSubPr>
                             <m:ctrlPr>
                               <a:rPr lang="en-US" sz="2400" i="1">
-                                <a:latin typeface="Cambria Math" panose="02040503050406030204" pitchFamily="18" charset="0"/>
+                                <a:latin typeface="Cambria Math"/>
                                 <a:cs typeface="Arial" pitchFamily="34" charset="0"/>
                               </a:rPr>
                             </m:ctrlPr>
@@ -19712,7 +19712,7 @@
                           <m:fPr>
                             <m:ctrlPr>
                               <a:rPr lang="en-US" sz="2400" b="0" i="1" smtClean="0">
-                                <a:latin typeface="Cambria Math" panose="02040503050406030204" pitchFamily="18" charset="0"/>
+                                <a:latin typeface="Cambria Math"/>
                                 <a:cs typeface="Arial" pitchFamily="34" charset="0"/>
                               </a:rPr>
                             </m:ctrlPr>
@@ -19722,7 +19722,7 @@
                               <m:sSubPr>
                                 <m:ctrlPr>
                                   <a:rPr lang="en-US" sz="2400" b="0" i="1" smtClean="0">
-                                    <a:latin typeface="Cambria Math" panose="02040503050406030204" pitchFamily="18" charset="0"/>
+                                    <a:latin typeface="Cambria Math"/>
                                     <a:cs typeface="Arial" pitchFamily="34" charset="0"/>
                                   </a:rPr>
                                 </m:ctrlPr>
@@ -19759,7 +19759,7 @@
                               <m:sSubPr>
                                 <m:ctrlPr>
                                   <a:rPr lang="en-US" sz="2400" b="0" i="1" smtClean="0">
-                                    <a:latin typeface="Cambria Math" panose="02040503050406030204" pitchFamily="18" charset="0"/>
+                                    <a:latin typeface="Cambria Math"/>
                                     <a:cs typeface="Arial" pitchFamily="34" charset="0"/>
                                   </a:rPr>
                                 </m:ctrlPr>
@@ -19822,7 +19822,7 @@
                       <m:sSubPr>
                         <m:ctrlPr>
                           <a:rPr lang="en-US" sz="2400" b="0" i="1" smtClean="0">
-                            <a:latin typeface="Cambria Math" panose="02040503050406030204" pitchFamily="18" charset="0"/>
+                            <a:latin typeface="Cambria Math"/>
                             <a:cs typeface="Arial" pitchFamily="34" charset="0"/>
                           </a:rPr>
                         </m:ctrlPr>
@@ -19858,7 +19858,7 @@
                       <m:sSubSupPr>
                         <m:ctrlPr>
                           <a:rPr lang="en-US" sz="2400" b="0" i="1" smtClean="0">
-                            <a:latin typeface="Cambria Math" panose="02040503050406030204" pitchFamily="18" charset="0"/>
+                            <a:latin typeface="Cambria Math"/>
                             <a:cs typeface="Arial" pitchFamily="34" charset="0"/>
                           </a:rPr>
                         </m:ctrlPr>
@@ -19911,7 +19911,7 @@
                       <m:sSubPr>
                         <m:ctrlPr>
                           <a:rPr lang="en-US" sz="2400" b="0" i="1" smtClean="0">
-                            <a:latin typeface="Cambria Math" panose="02040503050406030204" pitchFamily="18" charset="0"/>
+                            <a:latin typeface="Cambria Math"/>
                             <a:ea typeface="Cambria Math"/>
                             <a:cs typeface="Arial" pitchFamily="34" charset="0"/>
                           </a:rPr>
@@ -19961,7 +19961,7 @@
                       <m:sSubPr>
                         <m:ctrlPr>
                           <a:rPr lang="en-US" sz="2400" i="1" smtClean="0">
-                            <a:latin typeface="Cambria Math" panose="02040503050406030204" pitchFamily="18" charset="0"/>
+                            <a:latin typeface="Cambria Math"/>
                             <a:cs typeface="Arial" pitchFamily="34" charset="0"/>
                           </a:rPr>
                         </m:ctrlPr>
@@ -20054,7 +20054,7 @@
                       <m:sSubPr>
                         <m:ctrlPr>
                           <a:rPr lang="en-US" sz="2400" i="1">
-                            <a:latin typeface="Cambria Math" panose="02040503050406030204" pitchFamily="18" charset="0"/>
+                            <a:latin typeface="Cambria Math"/>
                             <a:cs typeface="Arial" pitchFamily="34" charset="0"/>
                           </a:rPr>
                         </m:ctrlPr>
@@ -20089,7 +20089,7 @@
                       <m:sSupPr>
                         <m:ctrlPr>
                           <a:rPr lang="en-US" sz="2400" i="1">
-                            <a:latin typeface="Cambria Math" panose="02040503050406030204" pitchFamily="18" charset="0"/>
+                            <a:latin typeface="Cambria Math"/>
                             <a:cs typeface="Arial" pitchFamily="34" charset="0"/>
                           </a:rPr>
                         </m:ctrlPr>
@@ -20117,7 +20117,7 @@
                       <m:dPr>
                         <m:ctrlPr>
                           <a:rPr lang="en-US" sz="2400" i="1">
-                            <a:latin typeface="Cambria Math" panose="02040503050406030204" pitchFamily="18" charset="0"/>
+                            <a:latin typeface="Cambria Math"/>
                             <a:cs typeface="Arial" pitchFamily="34" charset="0"/>
                           </a:rPr>
                         </m:ctrlPr>
@@ -20127,7 +20127,7 @@
                           <m:sSubPr>
                             <m:ctrlPr>
                               <a:rPr lang="en-US" sz="2400" i="1">
-                                <a:latin typeface="Cambria Math" panose="02040503050406030204" pitchFamily="18" charset="0"/>
+                                <a:latin typeface="Cambria Math"/>
                                 <a:cs typeface="Arial" pitchFamily="34" charset="0"/>
                               </a:rPr>
                             </m:ctrlPr>
@@ -20332,7 +20332,7 @@
           <p:cNvPr id="2" name="Title 1">
             <a:extLst>
               <a:ext uri="{FF2B5EF4-FFF2-40B4-BE49-F238E27FC236}">
-                <a16:creationId xmlns:a16="http://schemas.microsoft.com/office/drawing/2014/main" id="{065139FE-F91A-4F62-ADF6-D594FF62340A}"/>
+                <a16:creationId xmlns:a16="http://schemas.microsoft.com/office/drawing/2014/main" xmlns="" id="{065139FE-F91A-4F62-ADF6-D594FF62340A}"/>
               </a:ext>
             </a:extLst>
           </p:cNvPr>
@@ -20365,7 +20365,7 @@
           <p:cNvPr id="3" name="Content Placeholder 2">
             <a:extLst>
               <a:ext uri="{FF2B5EF4-FFF2-40B4-BE49-F238E27FC236}">
-                <a16:creationId xmlns:a16="http://schemas.microsoft.com/office/drawing/2014/main" id="{1377684B-7799-44AB-8D18-185DA25DEE9A}"/>
+                <a16:creationId xmlns:a16="http://schemas.microsoft.com/office/drawing/2014/main" xmlns="" id="{1377684B-7799-44AB-8D18-185DA25DEE9A}"/>
               </a:ext>
             </a:extLst>
           </p:cNvPr>
@@ -20904,64 +20904,12 @@
           </a:p>
         </p:txBody>
       </p:sp>
-      <p:sp>
-        <p:nvSpPr>
-          <p:cNvPr id="3" name="Content Placeholder 2"/>
-          <p:cNvSpPr>
-            <a:spLocks noGrp="1"/>
-          </p:cNvSpPr>
-          <p:nvPr>
-            <p:ph idx="1"/>
-          </p:nvPr>
-        </p:nvSpPr>
-        <p:spPr>
-          <a:xfrm>
-            <a:off x="533400" y="1098448"/>
-            <a:ext cx="8229600" cy="5248275"/>
-          </a:xfrm>
-        </p:spPr>
-        <p:txBody>
-          <a:bodyPr>
-            <a:normAutofit/>
-          </a:bodyPr>
-          <a:lstStyle/>
-          <a:p>
-            <a:pPr marL="0" indent="0">
-              <a:spcBef>
-                <a:spcPts val="600"/>
-              </a:spcBef>
-              <a:buNone/>
-            </a:pPr>
-            <a:endParaRPr lang="en-US" sz="2400" dirty="0">
-              <a:cs typeface="Arial" pitchFamily="34" charset="0"/>
-            </a:endParaRPr>
-          </a:p>
-          <a:p>
-            <a:pPr marL="0" indent="0">
-              <a:buNone/>
-            </a:pPr>
-            <a:endParaRPr lang="en-US" sz="2400" dirty="0">
-              <a:latin typeface="Arial" pitchFamily="34" charset="0"/>
-              <a:cs typeface="Arial" pitchFamily="34" charset="0"/>
-            </a:endParaRPr>
-          </a:p>
-          <a:p>
-            <a:pPr marL="0" indent="0">
-              <a:buNone/>
-            </a:pPr>
-            <a:endParaRPr lang="en-US" sz="2400" dirty="0">
-              <a:latin typeface="Arial" pitchFamily="34" charset="0"/>
-              <a:cs typeface="Arial" pitchFamily="34" charset="0"/>
-            </a:endParaRPr>
-          </a:p>
-        </p:txBody>
-      </p:sp>
       <p:pic>
         <p:nvPicPr>
           <p:cNvPr id="7" name="Picture 6" descr="Screen Clipping">
             <a:extLst>
               <a:ext uri="{FF2B5EF4-FFF2-40B4-BE49-F238E27FC236}">
-                <a16:creationId xmlns:a16="http://schemas.microsoft.com/office/drawing/2014/main" id="{0AA4A31F-8F6E-4756-8CB1-1868B61CD389}"/>
+                <a16:creationId xmlns:a16="http://schemas.microsoft.com/office/drawing/2014/main" xmlns="" id="{0AA4A31F-8F6E-4756-8CB1-1868B61CD389}"/>
               </a:ext>
             </a:extLst>
           </p:cNvPr>
@@ -21051,7 +20999,7 @@
       </p:sp>
       <p:pic>
         <p:nvPicPr>
-          <p:cNvPr id="4" name="Picture 2"/>
+          <p:cNvPr id="4" name="Picture 2" descr="Model-Based vs. Design-Based Estimates for Current Smoking Prevalence."/>
           <p:cNvPicPr>
             <a:picLocks noChangeAspect="1" noChangeArrowheads="1"/>
           </p:cNvPicPr>
@@ -21412,7 +21360,7 @@
           <p:cNvPr id="7" name="Content Placeholder 6" descr="Screen Clipping">
             <a:extLst>
               <a:ext uri="{FF2B5EF4-FFF2-40B4-BE49-F238E27FC236}">
-                <a16:creationId xmlns:a16="http://schemas.microsoft.com/office/drawing/2014/main" id="{426DD8D0-9BDA-4C4F-99F6-C7F6F9312C44}"/>
+                <a16:creationId xmlns:a16="http://schemas.microsoft.com/office/drawing/2014/main" xmlns="" id="{426DD8D0-9BDA-4C4F-99F6-C7F6F9312C44}"/>
               </a:ext>
             </a:extLst>
           </p:cNvPr>
@@ -21687,7 +21635,7 @@
           <p:cNvPr id="6" name="Content Placeholder 5" descr="Screen Clipping">
             <a:extLst>
               <a:ext uri="{FF2B5EF4-FFF2-40B4-BE49-F238E27FC236}">
-                <a16:creationId xmlns:a16="http://schemas.microsoft.com/office/drawing/2014/main" id="{C3B3FA16-D0BC-449F-9E5D-DD6B625C2FCA}"/>
+                <a16:creationId xmlns:a16="http://schemas.microsoft.com/office/drawing/2014/main" xmlns="" id="{C3B3FA16-D0BC-449F-9E5D-DD6B625C2FCA}"/>
               </a:ext>
             </a:extLst>
           </p:cNvPr>
@@ -21759,7 +21707,7 @@
         </p:nvSpPr>
         <p:spPr>
           <a:xfrm>
-            <a:off x="43774" y="0"/>
+            <a:off x="43774" y="-9525"/>
             <a:ext cx="7315200" cy="1142999"/>
           </a:xfrm>
         </p:spPr>
@@ -21818,6 +21766,42 @@
               </a:rPr>
             </a:br>
             <a:endParaRPr lang="en-US" sz="2000" dirty="0"/>
+          </a:p>
+        </p:txBody>
+      </p:sp>
+      <p:sp>
+        <p:nvSpPr>
+          <p:cNvPr id="11" name="TextBox 10"/>
+          <p:cNvSpPr txBox="1"/>
+          <p:nvPr/>
+        </p:nvSpPr>
+        <p:spPr>
+          <a:xfrm>
+            <a:off x="280001" y="989033"/>
+            <a:ext cx="4066162" cy="400110"/>
+          </a:xfrm>
+          <a:prstGeom prst="rect">
+            <a:avLst/>
+          </a:prstGeom>
+          <a:noFill/>
+        </p:spPr>
+        <p:txBody>
+          <a:bodyPr wrap="square" rtlCol="0">
+            <a:spAutoFit/>
+          </a:bodyPr>
+          <a:lstStyle/>
+          <a:p>
+            <a:r>
+              <a:rPr lang="en-US" sz="2000" dirty="0">
+                <a:solidFill>
+                  <a:schemeClr val="bg2">
+                    <a:lumMod val="60000"/>
+                    <a:lumOff val="40000"/>
+                  </a:schemeClr>
+                </a:solidFill>
+              </a:rPr>
+              <a:t>Individual Self-Reported</a:t>
+            </a:r>
           </a:p>
         </p:txBody>
       </p:sp>
@@ -21845,134 +21829,11 @@
         </p:blipFill>
         <p:spPr>
           <a:xfrm>
-            <a:off x="117884" y="1389143"/>
+            <a:off x="117884" y="1379618"/>
             <a:ext cx="4571839" cy="4056434"/>
           </a:xfrm>
         </p:spPr>
       </p:pic>
-      <p:sp>
-        <p:nvSpPr>
-          <p:cNvPr id="11" name="TextBox 10"/>
-          <p:cNvSpPr txBox="1"/>
-          <p:nvPr/>
-        </p:nvSpPr>
-        <p:spPr>
-          <a:xfrm>
-            <a:off x="280001" y="989033"/>
-            <a:ext cx="4066162" cy="400110"/>
-          </a:xfrm>
-          <a:prstGeom prst="rect">
-            <a:avLst/>
-          </a:prstGeom>
-          <a:noFill/>
-        </p:spPr>
-        <p:txBody>
-          <a:bodyPr wrap="square" rtlCol="0">
-            <a:spAutoFit/>
-          </a:bodyPr>
-          <a:lstStyle/>
-          <a:p>
-            <a:r>
-              <a:rPr lang="en-US" sz="2000" dirty="0">
-                <a:solidFill>
-                  <a:schemeClr val="bg2">
-                    <a:lumMod val="60000"/>
-                    <a:lumOff val="40000"/>
-                  </a:schemeClr>
-                </a:solidFill>
-              </a:rPr>
-              <a:t>Individual Self-Reported</a:t>
-            </a:r>
-          </a:p>
-        </p:txBody>
-      </p:sp>
-      <p:grpSp>
-        <p:nvGrpSpPr>
-          <p:cNvPr id="3" name="Group 2">
-            <a:extLst>
-              <a:ext uri="{FF2B5EF4-FFF2-40B4-BE49-F238E27FC236}">
-                <a16:creationId xmlns:a16="http://schemas.microsoft.com/office/drawing/2014/main" id="{640B4182-D730-449F-9E2A-0DEDE0E57455}"/>
-              </a:ext>
-            </a:extLst>
-          </p:cNvPr>
-          <p:cNvGrpSpPr/>
-          <p:nvPr/>
-        </p:nvGrpSpPr>
-        <p:grpSpPr>
-          <a:xfrm>
-            <a:off x="4582389" y="965989"/>
-            <a:ext cx="4516397" cy="4726601"/>
-            <a:chOff x="4582389" y="965989"/>
-            <a:chExt cx="4516397" cy="4726601"/>
-          </a:xfrm>
-        </p:grpSpPr>
-        <p:pic>
-          <p:nvPicPr>
-            <p:cNvPr id="10" name="Picture 9" descr="Screen Clipping"/>
-            <p:cNvPicPr>
-              <a:picLocks noChangeAspect="1"/>
-            </p:cNvPicPr>
-            <p:nvPr/>
-          </p:nvPicPr>
-          <p:blipFill>
-            <a:blip r:embed="rId4">
-              <a:extLst>
-                <a:ext uri="{28A0092B-C50C-407E-A947-70E740481C1C}">
-                  <a14:useLocalDpi xmlns:a14="http://schemas.microsoft.com/office/drawing/2010/main" val="0"/>
-                </a:ext>
-              </a:extLst>
-            </a:blip>
-            <a:stretch>
-              <a:fillRect/>
-            </a:stretch>
-          </p:blipFill>
-          <p:spPr>
-            <a:xfrm>
-              <a:off x="4818616" y="1389143"/>
-              <a:ext cx="4280170" cy="4303447"/>
-            </a:xfrm>
-            <a:prstGeom prst="rect">
-              <a:avLst/>
-            </a:prstGeom>
-          </p:spPr>
-        </p:pic>
-        <p:sp>
-          <p:nvSpPr>
-            <p:cNvPr id="13" name="TextBox 12"/>
-            <p:cNvSpPr txBox="1"/>
-            <p:nvPr/>
-          </p:nvSpPr>
-          <p:spPr>
-            <a:xfrm>
-              <a:off x="4582389" y="965989"/>
-              <a:ext cx="4066162" cy="400110"/>
-            </a:xfrm>
-            <a:prstGeom prst="rect">
-              <a:avLst/>
-            </a:prstGeom>
-            <a:noFill/>
-          </p:spPr>
-          <p:txBody>
-            <a:bodyPr wrap="square" rtlCol="0">
-              <a:spAutoFit/>
-            </a:bodyPr>
-            <a:lstStyle/>
-            <a:p>
-              <a:r>
-                <a:rPr lang="en-US" sz="2000" dirty="0">
-                  <a:solidFill>
-                    <a:schemeClr val="bg2">
-                      <a:lumMod val="60000"/>
-                      <a:lumOff val="40000"/>
-                    </a:schemeClr>
-                  </a:solidFill>
-                </a:rPr>
-                <a:t>Law Legislations</a:t>
-              </a:r>
-            </a:p>
-          </p:txBody>
-        </p:sp>
-      </p:grpSp>
       <p:sp>
         <p:nvSpPr>
           <p:cNvPr id="14" name="TextBox 13"/>
@@ -22011,46 +21872,6 @@
               </a:rPr>
               <a:t>Workplace has an official smoking policy: Smoking Not allowed in ANY public areas and work areas</a:t>
             </a:r>
-          </a:p>
-        </p:txBody>
-      </p:sp>
-      <p:sp>
-        <p:nvSpPr>
-          <p:cNvPr id="15" name="TextBox 14"/>
-          <p:cNvSpPr txBox="1"/>
-          <p:nvPr/>
-        </p:nvSpPr>
-        <p:spPr>
-          <a:xfrm>
-            <a:off x="4818616" y="5262664"/>
-            <a:ext cx="741565" cy="461665"/>
-          </a:xfrm>
-          <a:prstGeom prst="rect">
-            <a:avLst/>
-          </a:prstGeom>
-          <a:solidFill>
-            <a:schemeClr val="bg1"/>
-          </a:solidFill>
-        </p:spPr>
-        <p:txBody>
-          <a:bodyPr wrap="square" rtlCol="0">
-            <a:spAutoFit/>
-          </a:bodyPr>
-          <a:lstStyle/>
-          <a:p>
-            <a:r>
-              <a:rPr lang="en-US" dirty="0" err="1">
-                <a:solidFill>
-                  <a:schemeClr val="bg1"/>
-                </a:solidFill>
-              </a:rPr>
-              <a:t>ww</a:t>
-            </a:r>
-            <a:endParaRPr lang="en-US" dirty="0">
-              <a:solidFill>
-                <a:schemeClr val="bg1"/>
-              </a:solidFill>
-            </a:endParaRPr>
           </a:p>
         </p:txBody>
       </p:sp>
@@ -22087,6 +21908,104 @@
           </a:p>
         </p:txBody>
       </p:sp>
+      <p:sp>
+        <p:nvSpPr>
+          <p:cNvPr id="13" name="TextBox 12"/>
+          <p:cNvSpPr txBox="1"/>
+          <p:nvPr/>
+        </p:nvSpPr>
+        <p:spPr>
+          <a:xfrm>
+            <a:off x="4582389" y="965989"/>
+            <a:ext cx="4066162" cy="400110"/>
+          </a:xfrm>
+          <a:prstGeom prst="rect">
+            <a:avLst/>
+          </a:prstGeom>
+          <a:noFill/>
+        </p:spPr>
+        <p:txBody>
+          <a:bodyPr wrap="square" rtlCol="0">
+            <a:spAutoFit/>
+          </a:bodyPr>
+          <a:lstStyle/>
+          <a:p>
+            <a:r>
+              <a:rPr lang="en-US" sz="2000" dirty="0">
+                <a:solidFill>
+                  <a:schemeClr val="bg2">
+                    <a:lumMod val="60000"/>
+                    <a:lumOff val="40000"/>
+                  </a:schemeClr>
+                </a:solidFill>
+              </a:rPr>
+              <a:t>Law Legislations</a:t>
+            </a:r>
+          </a:p>
+        </p:txBody>
+      </p:sp>
+      <p:pic>
+        <p:nvPicPr>
+          <p:cNvPr id="10" name="Picture 9" descr="Screen Clipping"/>
+          <p:cNvPicPr>
+            <a:picLocks noChangeAspect="1"/>
+          </p:cNvPicPr>
+          <p:nvPr/>
+        </p:nvPicPr>
+        <p:blipFill>
+          <a:blip r:embed="rId4">
+            <a:extLst>
+              <a:ext uri="{28A0092B-C50C-407E-A947-70E740481C1C}">
+                <a14:useLocalDpi xmlns:a14="http://schemas.microsoft.com/office/drawing/2010/main" val="0"/>
+              </a:ext>
+            </a:extLst>
+          </a:blip>
+          <a:stretch>
+            <a:fillRect/>
+          </a:stretch>
+        </p:blipFill>
+        <p:spPr>
+          <a:xfrm>
+            <a:off x="4818616" y="1389143"/>
+            <a:ext cx="4280170" cy="4303447"/>
+          </a:xfrm>
+          <a:prstGeom prst="rect">
+            <a:avLst/>
+          </a:prstGeom>
+        </p:spPr>
+      </p:pic>
+      <p:sp>
+        <p:nvSpPr>
+          <p:cNvPr id="15" name="TextBox 14" descr="empty box."/>
+          <p:cNvSpPr txBox="1"/>
+          <p:nvPr/>
+        </p:nvSpPr>
+        <p:spPr>
+          <a:xfrm>
+            <a:off x="4771683" y="5291435"/>
+            <a:ext cx="741565" cy="461665"/>
+          </a:xfrm>
+          <a:prstGeom prst="rect">
+            <a:avLst/>
+          </a:prstGeom>
+          <a:solidFill>
+            <a:schemeClr val="bg1"/>
+          </a:solidFill>
+        </p:spPr>
+        <p:txBody>
+          <a:bodyPr wrap="square" rtlCol="0">
+            <a:spAutoFit/>
+          </a:bodyPr>
+          <a:lstStyle/>
+          <a:p>
+            <a:endParaRPr lang="en-US" dirty="0">
+              <a:solidFill>
+                <a:schemeClr val="tx2"/>
+              </a:solidFill>
+            </a:endParaRPr>
+          </a:p>
+        </p:txBody>
+      </p:sp>
     </p:spTree>
     <p:extLst>
       <p:ext uri="{BB962C8B-B14F-4D97-AF65-F5344CB8AC3E}">
@@ -22108,121 +22027,7 @@
   <p:timing>
     <p:tnLst>
       <p:par>
-        <p:cTn id="1" dur="indefinite" restart="never" nodeType="tmRoot">
-          <p:childTnLst>
-            <p:seq concurrent="1" nextAc="seek">
-              <p:cTn id="2" dur="indefinite" nodeType="mainSeq">
-                <p:childTnLst>
-                  <p:par>
-                    <p:cTn id="3" fill="hold">
-                      <p:stCondLst>
-                        <p:cond delay="indefinite"/>
-                      </p:stCondLst>
-                      <p:childTnLst>
-                        <p:par>
-                          <p:cTn id="4" fill="hold">
-                            <p:stCondLst>
-                              <p:cond delay="0"/>
-                            </p:stCondLst>
-                            <p:childTnLst>
-                              <p:par>
-                                <p:cTn id="5" presetID="2" presetClass="entr" presetSubtype="4" fill="hold" nodeType="clickEffect">
-                                  <p:stCondLst>
-                                    <p:cond delay="0"/>
-                                  </p:stCondLst>
-                                  <p:childTnLst>
-                                    <p:set>
-                                      <p:cBhvr>
-                                        <p:cTn id="6" dur="1" fill="hold">
-                                          <p:stCondLst>
-                                            <p:cond delay="0"/>
-                                          </p:stCondLst>
-                                        </p:cTn>
-                                        <p:tgtEl>
-                                          <p:spTgt spid="3"/>
-                                        </p:tgtEl>
-                                        <p:attrNameLst>
-                                          <p:attrName>style.visibility</p:attrName>
-                                        </p:attrNameLst>
-                                      </p:cBhvr>
-                                      <p:to>
-                                        <p:strVal val="visible"/>
-                                      </p:to>
-                                    </p:set>
-                                    <p:anim calcmode="lin" valueType="num">
-                                      <p:cBhvr additive="base">
-                                        <p:cTn id="7" dur="500" fill="hold"/>
-                                        <p:tgtEl>
-                                          <p:spTgt spid="3"/>
-                                        </p:tgtEl>
-                                        <p:attrNameLst>
-                                          <p:attrName>ppt_x</p:attrName>
-                                        </p:attrNameLst>
-                                      </p:cBhvr>
-                                      <p:tavLst>
-                                        <p:tav tm="0">
-                                          <p:val>
-                                            <p:strVal val="#ppt_x"/>
-                                          </p:val>
-                                        </p:tav>
-                                        <p:tav tm="100000">
-                                          <p:val>
-                                            <p:strVal val="#ppt_x"/>
-                                          </p:val>
-                                        </p:tav>
-                                      </p:tavLst>
-                                    </p:anim>
-                                    <p:anim calcmode="lin" valueType="num">
-                                      <p:cBhvr additive="base">
-                                        <p:cTn id="8" dur="500" fill="hold"/>
-                                        <p:tgtEl>
-                                          <p:spTgt spid="3"/>
-                                        </p:tgtEl>
-                                        <p:attrNameLst>
-                                          <p:attrName>ppt_y</p:attrName>
-                                        </p:attrNameLst>
-                                      </p:cBhvr>
-                                      <p:tavLst>
-                                        <p:tav tm="0">
-                                          <p:val>
-                                            <p:strVal val="1+#ppt_h/2"/>
-                                          </p:val>
-                                        </p:tav>
-                                        <p:tav tm="100000">
-                                          <p:val>
-                                            <p:strVal val="#ppt_y"/>
-                                          </p:val>
-                                        </p:tav>
-                                      </p:tavLst>
-                                    </p:anim>
-                                  </p:childTnLst>
-                                </p:cTn>
-                              </p:par>
-                            </p:childTnLst>
-                          </p:cTn>
-                        </p:par>
-                      </p:childTnLst>
-                    </p:cTn>
-                  </p:par>
-                </p:childTnLst>
-              </p:cTn>
-              <p:prevCondLst>
-                <p:cond evt="onPrev" delay="0">
-                  <p:tgtEl>
-                    <p:sldTgt/>
-                  </p:tgtEl>
-                </p:cond>
-              </p:prevCondLst>
-              <p:nextCondLst>
-                <p:cond evt="onNext" delay="0">
-                  <p:tgtEl>
-                    <p:sldTgt/>
-                  </p:tgtEl>
-                </p:cond>
-              </p:nextCondLst>
-            </p:seq>
-          </p:childTnLst>
-        </p:cTn>
+        <p:cTn id="1" dur="indefinite" restart="never" nodeType="tmRoot"/>
       </p:par>
     </p:tnLst>
   </p:timing>
@@ -22258,7 +22063,7 @@
         </p:nvSpPr>
         <p:spPr>
           <a:xfrm>
-            <a:off x="0" y="0"/>
+            <a:off x="0" y="-9525"/>
             <a:ext cx="7315200" cy="1143000"/>
           </a:xfrm>
         </p:spPr>
@@ -22273,36 +22078,6 @@
               </a:rPr>
               <a:t>Applications of the SAE estimates and maps</a:t>
             </a:r>
-            <a:endParaRPr lang="en-US" dirty="0"/>
-          </a:p>
-        </p:txBody>
-      </p:sp>
-      <p:sp>
-        <p:nvSpPr>
-          <p:cNvPr id="4" name="Content Placeholder 3">
-            <a:extLst>
-              <a:ext uri="{FF2B5EF4-FFF2-40B4-BE49-F238E27FC236}">
-                <a16:creationId xmlns:a16="http://schemas.microsoft.com/office/drawing/2014/main" id="{84FC536A-F2F0-4868-A036-068D73BD7970}"/>
-              </a:ext>
-            </a:extLst>
-          </p:cNvPr>
-          <p:cNvSpPr>
-            <a:spLocks noGrp="1"/>
-          </p:cNvSpPr>
-          <p:nvPr>
-            <p:ph idx="1"/>
-          </p:nvPr>
-        </p:nvSpPr>
-        <p:spPr>
-          <a:xfrm>
-            <a:off x="1296422" y="4055016"/>
-            <a:ext cx="6150718" cy="1990638"/>
-          </a:xfrm>
-        </p:spPr>
-        <p:txBody>
-          <a:bodyPr/>
-          <a:lstStyle/>
-          <a:p>
             <a:endParaRPr lang="en-US" dirty="0"/>
           </a:p>
         </p:txBody>
@@ -22312,7 +22087,7 @@
           <p:cNvPr id="117762" name="Content Placeholder 4" descr="image001">
             <a:extLst>
               <a:ext uri="{FF2B5EF4-FFF2-40B4-BE49-F238E27FC236}">
-                <a16:creationId xmlns:a16="http://schemas.microsoft.com/office/drawing/2014/main" id="{036E39A7-A3CB-428D-9DD0-9088E7FDDA1F}"/>
+                <a16:creationId xmlns:a16="http://schemas.microsoft.com/office/drawing/2014/main" xmlns="" id="{036E39A7-A3CB-428D-9DD0-9088E7FDDA1F}"/>
               </a:ext>
             </a:extLst>
           </p:cNvPr>
@@ -22886,8 +22661,17 @@
                 <a:solidFill>
                   <a:srgbClr val="C00000"/>
                 </a:solidFill>
+                <a:hlinkClick r:id="rId4"/>
               </a:rPr>
-              <a:t>https://sae.cancer.gov/nhis-brfss/. </a:t>
+              <a:t>https://sae.cancer.gov/nhis-brfss/</a:t>
+            </a:r>
+            <a:r>
+              <a:rPr lang="en-US" sz="2000" u="sng" dirty="0">
+                <a:solidFill>
+                  <a:srgbClr val="C00000"/>
+                </a:solidFill>
+              </a:rPr>
+              <a:t>. </a:t>
             </a:r>
           </a:p>
           <a:p>
@@ -23460,7 +23244,7 @@
         </p:nvSpPr>
         <p:spPr>
           <a:xfrm>
-            <a:off x="334963" y="114300"/>
+            <a:off x="334963" y="104775"/>
             <a:ext cx="7518400" cy="776288"/>
           </a:xfrm>
         </p:spPr>
@@ -23588,513 +23372,36 @@
           </a:p>
         </p:txBody>
       </p:sp>
-      <p:sp>
-        <p:nvSpPr>
-          <p:cNvPr id="2" name="Oval 1"/>
-          <p:cNvSpPr/>
+      <p:pic>
+        <p:nvPicPr>
+          <p:cNvPr id="4" name="Picture 3" descr="Flow chart of direct estimates and indirect estimates flowing into final estimates."/>
+          <p:cNvPicPr>
+            <a:picLocks noChangeAspect="1"/>
+          </p:cNvPicPr>
           <p:nvPr/>
-        </p:nvSpPr>
-        <p:spPr bwMode="auto">
-          <a:xfrm>
-            <a:off x="1607418" y="5142298"/>
-            <a:ext cx="1366787" cy="969744"/>
-          </a:xfrm>
-          <a:prstGeom prst="ellipse">
-            <a:avLst/>
-          </a:prstGeom>
-          <a:noFill/>
-          <a:ln w="9525" cap="flat" cmpd="sng" algn="ctr">
-            <a:noFill/>
-            <a:prstDash val="solid"/>
-            <a:round/>
-            <a:headEnd type="none" w="med" len="med"/>
-            <a:tailEnd type="none" w="med" len="med"/>
-          </a:ln>
-          <a:effectLst/>
-        </p:spPr>
-        <p:txBody>
-          <a:bodyPr vert="horz" wrap="none" lIns="91440" tIns="45720" rIns="91440" bIns="45720" numCol="1" rtlCol="0" anchor="ctr" anchorCtr="0" compatLnSpc="1">
-            <a:prstTxWarp prst="textNoShape">
-              <a:avLst/>
-            </a:prstTxWarp>
-          </a:bodyPr>
-          <a:lstStyle/>
-          <a:p>
-            <a:pPr marL="0" marR="0" indent="0" algn="ctr" defTabSz="914400" rtl="0" eaLnBrk="0" fontAlgn="base" latinLnBrk="0" hangingPunct="0">
-              <a:lnSpc>
-                <a:spcPct val="100000"/>
-              </a:lnSpc>
-              <a:spcBef>
-                <a:spcPct val="0"/>
-              </a:spcBef>
-              <a:spcAft>
-                <a:spcPct val="0"/>
-              </a:spcAft>
-              <a:buClrTx/>
-              <a:buSzTx/>
-              <a:buFontTx/>
-              <a:buNone/>
-              <a:tabLst/>
-            </a:pPr>
-            <a:endParaRPr kumimoji="0" lang="en-US" sz="2400" b="0" i="0" u="none" strike="noStrike" cap="none" normalizeH="0" baseline="0">
-              <a:ln>
-                <a:noFill/>
-              </a:ln>
-              <a:solidFill>
-                <a:schemeClr val="tx1"/>
-              </a:solidFill>
-              <a:effectLst/>
-              <a:latin typeface="Times New Roman" pitchFamily="18" charset="0"/>
-            </a:endParaRPr>
-          </a:p>
-        </p:txBody>
-      </p:sp>
-      <p:sp>
-        <p:nvSpPr>
-          <p:cNvPr id="6" name="Rectangle 5"/>
-          <p:cNvSpPr/>
-          <p:nvPr/>
-        </p:nvSpPr>
-        <p:spPr bwMode="auto">
-          <a:xfrm>
-            <a:off x="2679060" y="3647975"/>
-            <a:ext cx="3450166" cy="953702"/>
-          </a:xfrm>
-          <a:prstGeom prst="rect">
-            <a:avLst/>
-          </a:prstGeom>
-          <a:noFill/>
-          <a:ln w="34925" cap="flat" cmpd="sng" algn="ctr">
-            <a:solidFill>
-              <a:schemeClr val="bg2"/>
-            </a:solidFill>
-            <a:prstDash val="solid"/>
-            <a:round/>
-            <a:headEnd type="none" w="med" len="med"/>
-            <a:tailEnd type="none" w="med" len="med"/>
-          </a:ln>
-          <a:effectLst/>
-        </p:spPr>
-        <p:txBody>
-          <a:bodyPr vert="horz" wrap="none" lIns="91440" tIns="45720" rIns="91440" bIns="45720" numCol="1" rtlCol="0" anchor="ctr" anchorCtr="0" compatLnSpc="1">
-            <a:prstTxWarp prst="textNoShape">
-              <a:avLst/>
-            </a:prstTxWarp>
-          </a:bodyPr>
-          <a:lstStyle/>
-          <a:p>
-            <a:pPr marL="0" marR="0" indent="0" algn="ctr" defTabSz="914400" rtl="0" eaLnBrk="0" fontAlgn="base" latinLnBrk="0" hangingPunct="0">
-              <a:lnSpc>
-                <a:spcPct val="100000"/>
-              </a:lnSpc>
-              <a:spcBef>
-                <a:spcPct val="0"/>
-              </a:spcBef>
-              <a:spcAft>
-                <a:spcPct val="0"/>
-              </a:spcAft>
-              <a:buClrTx/>
-              <a:buSzTx/>
-              <a:buFontTx/>
-              <a:buNone/>
-              <a:tabLst/>
-            </a:pPr>
-            <a:endParaRPr kumimoji="0" lang="en-US" sz="2400" b="0" i="0" u="none" strike="noStrike" cap="none" normalizeH="0" baseline="0">
-              <a:ln>
-                <a:noFill/>
-              </a:ln>
-              <a:solidFill>
-                <a:schemeClr val="tx1"/>
-              </a:solidFill>
-              <a:effectLst/>
-              <a:latin typeface="Times New Roman" pitchFamily="18" charset="0"/>
-            </a:endParaRPr>
-          </a:p>
-        </p:txBody>
-      </p:sp>
-      <p:sp>
-        <p:nvSpPr>
-          <p:cNvPr id="7" name="TextBox 6"/>
-          <p:cNvSpPr txBox="1"/>
-          <p:nvPr/>
-        </p:nvSpPr>
+        </p:nvPicPr>
+        <p:blipFill>
+          <a:blip r:embed="rId3">
+            <a:extLst>
+              <a:ext uri="{28A0092B-C50C-407E-A947-70E740481C1C}">
+                <a14:useLocalDpi xmlns:a14="http://schemas.microsoft.com/office/drawing/2010/main" val="0"/>
+              </a:ext>
+            </a:extLst>
+          </a:blip>
+          <a:stretch>
+            <a:fillRect/>
+          </a:stretch>
+        </p:blipFill>
         <p:spPr>
           <a:xfrm>
-            <a:off x="3238169" y="3907053"/>
-            <a:ext cx="2338336" cy="430887"/>
+            <a:off x="1531620" y="2011680"/>
+            <a:ext cx="6080760" cy="2834640"/>
           </a:xfrm>
           <a:prstGeom prst="rect">
             <a:avLst/>
           </a:prstGeom>
         </p:spPr>
-        <p:style>
-          <a:lnRef idx="2">
-            <a:schemeClr val="accent3"/>
-          </a:lnRef>
-          <a:fillRef idx="1">
-            <a:schemeClr val="lt1"/>
-          </a:fillRef>
-          <a:effectRef idx="0">
-            <a:schemeClr val="accent3"/>
-          </a:effectRef>
-          <a:fontRef idx="minor">
-            <a:schemeClr val="dk1"/>
-          </a:fontRef>
-        </p:style>
-        <p:txBody>
-          <a:bodyPr wrap="square" rtlCol="0">
-            <a:spAutoFit/>
-          </a:bodyPr>
-          <a:lstStyle/>
-          <a:p>
-            <a:r>
-              <a:rPr lang="en-US" sz="2200" dirty="0">
-                <a:solidFill>
-                  <a:schemeClr val="tx1"/>
-                </a:solidFill>
-              </a:rPr>
-              <a:t>Final Estimates</a:t>
-            </a:r>
-          </a:p>
-        </p:txBody>
-      </p:sp>
-      <p:sp>
-        <p:nvSpPr>
-          <p:cNvPr id="8" name="Oval 7"/>
-          <p:cNvSpPr/>
-          <p:nvPr/>
-        </p:nvSpPr>
-        <p:spPr bwMode="auto">
-          <a:xfrm>
-            <a:off x="4760820" y="1958673"/>
-            <a:ext cx="2429252" cy="1383900"/>
-          </a:xfrm>
-          <a:prstGeom prst="ellipse">
-            <a:avLst/>
-          </a:prstGeom>
-          <a:noFill/>
-          <a:ln w="28575" cap="flat" cmpd="sng" algn="ctr">
-            <a:solidFill>
-              <a:schemeClr val="bg2"/>
-            </a:solidFill>
-            <a:prstDash val="solid"/>
-            <a:round/>
-            <a:headEnd type="none" w="med" len="med"/>
-            <a:tailEnd type="none" w="med" len="med"/>
-          </a:ln>
-          <a:effectLst/>
-        </p:spPr>
-        <p:txBody>
-          <a:bodyPr vert="horz" wrap="none" lIns="91440" tIns="45720" rIns="91440" bIns="45720" numCol="1" rtlCol="0" anchor="ctr" anchorCtr="0" compatLnSpc="1">
-            <a:prstTxWarp prst="textNoShape">
-              <a:avLst/>
-            </a:prstTxWarp>
-          </a:bodyPr>
-          <a:lstStyle/>
-          <a:p>
-            <a:pPr marL="0" marR="0" indent="0" algn="ctr" defTabSz="914400" rtl="0" eaLnBrk="0" fontAlgn="base" latinLnBrk="0" hangingPunct="0">
-              <a:lnSpc>
-                <a:spcPct val="100000"/>
-              </a:lnSpc>
-              <a:spcBef>
-                <a:spcPct val="0"/>
-              </a:spcBef>
-              <a:spcAft>
-                <a:spcPct val="0"/>
-              </a:spcAft>
-              <a:buClrTx/>
-              <a:buSzTx/>
-              <a:buFontTx/>
-              <a:buNone/>
-              <a:tabLst/>
-            </a:pPr>
-            <a:endParaRPr kumimoji="0" lang="en-US" sz="2400" b="0" i="0" u="none" strike="noStrike" cap="none" normalizeH="0" baseline="0">
-              <a:ln>
-                <a:noFill/>
-              </a:ln>
-              <a:solidFill>
-                <a:schemeClr val="tx1"/>
-              </a:solidFill>
-              <a:effectLst/>
-              <a:latin typeface="Times New Roman" pitchFamily="18" charset="0"/>
-            </a:endParaRPr>
-          </a:p>
-        </p:txBody>
-      </p:sp>
-      <p:sp>
-        <p:nvSpPr>
-          <p:cNvPr id="14" name="TextBox 13"/>
-          <p:cNvSpPr txBox="1"/>
-          <p:nvPr/>
-        </p:nvSpPr>
-        <p:spPr>
-          <a:xfrm>
-            <a:off x="5192207" y="2265902"/>
-            <a:ext cx="1566477" cy="769441"/>
-          </a:xfrm>
-          <a:prstGeom prst="rect">
-            <a:avLst/>
-          </a:prstGeom>
-        </p:spPr>
-        <p:style>
-          <a:lnRef idx="2">
-            <a:schemeClr val="accent3"/>
-          </a:lnRef>
-          <a:fillRef idx="1">
-            <a:schemeClr val="lt1"/>
-          </a:fillRef>
-          <a:effectRef idx="0">
-            <a:schemeClr val="accent3"/>
-          </a:effectRef>
-          <a:fontRef idx="minor">
-            <a:schemeClr val="dk1"/>
-          </a:fontRef>
-        </p:style>
-        <p:txBody>
-          <a:bodyPr wrap="square" rtlCol="0">
-            <a:spAutoFit/>
-          </a:bodyPr>
-          <a:lstStyle/>
-          <a:p>
-            <a:r>
-              <a:rPr lang="en-US" sz="2200" dirty="0">
-                <a:solidFill>
-                  <a:schemeClr val="tx1"/>
-                </a:solidFill>
-              </a:rPr>
-              <a:t>Indirect Estimates</a:t>
-            </a:r>
-          </a:p>
-        </p:txBody>
-      </p:sp>
-      <p:sp>
-        <p:nvSpPr>
-          <p:cNvPr id="15" name="Oval 14"/>
-          <p:cNvSpPr/>
-          <p:nvPr/>
-        </p:nvSpPr>
-        <p:spPr bwMode="auto">
-          <a:xfrm>
-            <a:off x="1248136" y="1958673"/>
-            <a:ext cx="2284336" cy="1256165"/>
-          </a:xfrm>
-          <a:prstGeom prst="ellipse">
-            <a:avLst/>
-          </a:prstGeom>
-          <a:noFill/>
-          <a:ln w="28575" cap="flat" cmpd="sng" algn="ctr">
-            <a:solidFill>
-              <a:schemeClr val="bg2"/>
-            </a:solidFill>
-            <a:prstDash val="solid"/>
-            <a:round/>
-            <a:headEnd type="none" w="med" len="med"/>
-            <a:tailEnd type="none" w="med" len="med"/>
-          </a:ln>
-          <a:effectLst/>
-        </p:spPr>
-        <p:txBody>
-          <a:bodyPr vert="horz" wrap="none" lIns="91440" tIns="45720" rIns="91440" bIns="45720" numCol="1" rtlCol="0" anchor="ctr" anchorCtr="0" compatLnSpc="1">
-            <a:prstTxWarp prst="textNoShape">
-              <a:avLst/>
-            </a:prstTxWarp>
-          </a:bodyPr>
-          <a:lstStyle/>
-          <a:p>
-            <a:pPr marL="0" marR="0" indent="0" algn="ctr" defTabSz="914400" rtl="0" eaLnBrk="0" fontAlgn="base" latinLnBrk="0" hangingPunct="0">
-              <a:lnSpc>
-                <a:spcPct val="100000"/>
-              </a:lnSpc>
-              <a:spcBef>
-                <a:spcPct val="0"/>
-              </a:spcBef>
-              <a:spcAft>
-                <a:spcPct val="0"/>
-              </a:spcAft>
-              <a:buClrTx/>
-              <a:buSzTx/>
-              <a:buFontTx/>
-              <a:buNone/>
-              <a:tabLst/>
-            </a:pPr>
-            <a:endParaRPr kumimoji="0" lang="en-US" sz="2400" b="0" i="0" u="none" strike="noStrike" cap="none" normalizeH="0" baseline="0">
-              <a:ln>
-                <a:noFill/>
-              </a:ln>
-              <a:solidFill>
-                <a:schemeClr val="tx1"/>
-              </a:solidFill>
-              <a:effectLst/>
-              <a:latin typeface="Times New Roman" pitchFamily="18" charset="0"/>
-            </a:endParaRPr>
-          </a:p>
-        </p:txBody>
-      </p:sp>
-      <p:sp>
-        <p:nvSpPr>
-          <p:cNvPr id="16" name="TextBox 15"/>
-          <p:cNvSpPr txBox="1"/>
-          <p:nvPr/>
-        </p:nvSpPr>
-        <p:spPr>
-          <a:xfrm>
-            <a:off x="1671692" y="2180633"/>
-            <a:ext cx="1566477" cy="769441"/>
-          </a:xfrm>
-          <a:prstGeom prst="rect">
-            <a:avLst/>
-          </a:prstGeom>
-        </p:spPr>
-        <p:style>
-          <a:lnRef idx="2">
-            <a:schemeClr val="accent3"/>
-          </a:lnRef>
-          <a:fillRef idx="1">
-            <a:schemeClr val="lt1"/>
-          </a:fillRef>
-          <a:effectRef idx="0">
-            <a:schemeClr val="accent3"/>
-          </a:effectRef>
-          <a:fontRef idx="minor">
-            <a:schemeClr val="dk1"/>
-          </a:fontRef>
-        </p:style>
-        <p:txBody>
-          <a:bodyPr wrap="square" rtlCol="0">
-            <a:spAutoFit/>
-          </a:bodyPr>
-          <a:lstStyle/>
-          <a:p>
-            <a:r>
-              <a:rPr lang="en-US" sz="2200" dirty="0">
-                <a:solidFill>
-                  <a:schemeClr val="tx1"/>
-                </a:solidFill>
-              </a:rPr>
-              <a:t>Direct Estimates</a:t>
-            </a:r>
-          </a:p>
-        </p:txBody>
-      </p:sp>
-      <p:cxnSp>
-        <p:nvCxnSpPr>
-          <p:cNvPr id="28" name="Straight Arrow Connector 27"/>
-          <p:cNvCxnSpPr>
-            <a:stCxn id="15" idx="4"/>
-          </p:cNvCxnSpPr>
-          <p:nvPr/>
-        </p:nvCxnSpPr>
-        <p:spPr bwMode="auto">
-          <a:xfrm>
-            <a:off x="2390304" y="3214838"/>
-            <a:ext cx="410648" cy="433137"/>
-          </a:xfrm>
-          <a:prstGeom prst="straightConnector1">
-            <a:avLst/>
-          </a:prstGeom>
-          <a:noFill/>
-          <a:ln w="50800" cap="flat" cmpd="sng" algn="ctr">
-            <a:solidFill>
-              <a:schemeClr val="bg2"/>
-            </a:solidFill>
-            <a:prstDash val="solid"/>
-            <a:round/>
-            <a:headEnd type="none" w="med" len="med"/>
-            <a:tailEnd type="arrow"/>
-          </a:ln>
-          <a:effectLst/>
-        </p:spPr>
-      </p:cxnSp>
-      <p:cxnSp>
-        <p:nvCxnSpPr>
-          <p:cNvPr id="31" name="Straight Arrow Connector 30"/>
-          <p:cNvCxnSpPr>
-            <a:stCxn id="8" idx="4"/>
-          </p:cNvCxnSpPr>
-          <p:nvPr/>
-        </p:nvCxnSpPr>
-        <p:spPr bwMode="auto">
-          <a:xfrm flipH="1">
-            <a:off x="5662314" y="3342573"/>
-            <a:ext cx="313132" cy="305402"/>
-          </a:xfrm>
-          <a:prstGeom prst="straightConnector1">
-            <a:avLst/>
-          </a:prstGeom>
-          <a:noFill/>
-          <a:ln w="50800" cap="flat" cmpd="sng" algn="ctr">
-            <a:solidFill>
-              <a:schemeClr val="bg2"/>
-            </a:solidFill>
-            <a:prstDash val="solid"/>
-            <a:round/>
-            <a:headEnd type="none" w="med" len="med"/>
-            <a:tailEnd type="arrow"/>
-          </a:ln>
-          <a:effectLst/>
-        </p:spPr>
-      </p:cxnSp>
-      <p:sp>
-        <p:nvSpPr>
-          <p:cNvPr id="22" name="Right Arrow 21"/>
-          <p:cNvSpPr/>
-          <p:nvPr/>
-        </p:nvSpPr>
-        <p:spPr bwMode="auto">
-          <a:xfrm>
-            <a:off x="481263" y="2444817"/>
-            <a:ext cx="519764" cy="205806"/>
-          </a:xfrm>
-          <a:prstGeom prst="rightArrow">
-            <a:avLst/>
-          </a:prstGeom>
-          <a:noFill/>
-          <a:ln w="9525" cap="flat" cmpd="sng" algn="ctr">
-            <a:noFill/>
-            <a:prstDash val="solid"/>
-            <a:round/>
-            <a:headEnd type="none" w="med" len="med"/>
-            <a:tailEnd type="none" w="med" len="med"/>
-          </a:ln>
-          <a:effectLst/>
-        </p:spPr>
-        <p:txBody>
-          <a:bodyPr vert="horz" wrap="none" lIns="91440" tIns="45720" rIns="91440" bIns="45720" numCol="1" rtlCol="0" anchor="ctr" anchorCtr="0" compatLnSpc="1">
-            <a:prstTxWarp prst="textNoShape">
-              <a:avLst/>
-            </a:prstTxWarp>
-          </a:bodyPr>
-          <a:lstStyle/>
-          <a:p>
-            <a:pPr marL="0" marR="0" indent="0" algn="ctr" defTabSz="914400" rtl="0" eaLnBrk="0" fontAlgn="base" latinLnBrk="0" hangingPunct="0">
-              <a:lnSpc>
-                <a:spcPct val="100000"/>
-              </a:lnSpc>
-              <a:spcBef>
-                <a:spcPct val="0"/>
-              </a:spcBef>
-              <a:spcAft>
-                <a:spcPct val="0"/>
-              </a:spcAft>
-              <a:buClrTx/>
-              <a:buSzTx/>
-              <a:buFontTx/>
-              <a:buNone/>
-              <a:tabLst/>
-            </a:pPr>
-            <a:endParaRPr kumimoji="0" lang="en-US" sz="2400" b="0" i="0" u="none" strike="noStrike" cap="none" normalizeH="0" baseline="0">
-              <a:ln>
-                <a:noFill/>
-              </a:ln>
-              <a:solidFill>
-                <a:schemeClr val="tx1"/>
-              </a:solidFill>
-              <a:effectLst/>
-              <a:latin typeface="Times New Roman" pitchFamily="18" charset="0"/>
-            </a:endParaRPr>
-          </a:p>
-        </p:txBody>
-      </p:sp>
+      </p:pic>
     </p:spTree>
     <p:extLst>
       <p:ext uri="{BB962C8B-B14F-4D97-AF65-F5344CB8AC3E}">
@@ -24767,7 +24074,7 @@
                       <m:sSubPr>
                         <m:ctrlPr>
                           <a:rPr lang="en-US" i="1" smtClean="0">
-                            <a:latin typeface="Cambria Math" panose="02040503050406030204" pitchFamily="18" charset="0"/>
+                            <a:latin typeface="Cambria Math"/>
                           </a:rPr>
                         </m:ctrlPr>
                       </m:sSubPr>
@@ -24820,7 +24127,7 @@
                       <m:sSubPr>
                         <m:ctrlPr>
                           <a:rPr lang="en-US" i="1">
-                            <a:latin typeface="Cambria Math" panose="02040503050406030204" pitchFamily="18" charset="0"/>
+                            <a:latin typeface="Cambria Math"/>
                           </a:rPr>
                         </m:ctrlPr>
                       </m:sSubPr>
@@ -24888,7 +24195,7 @@
                       <m:sSubPr>
                         <m:ctrlPr>
                           <a:rPr lang="en-US" i="1">
-                            <a:latin typeface="Cambria Math" panose="02040503050406030204" pitchFamily="18" charset="0"/>
+                            <a:latin typeface="Cambria Math"/>
                           </a:rPr>
                         </m:ctrlPr>
                       </m:sSubPr>
@@ -24921,7 +24228,7 @@
                       <m:sSubPr>
                         <m:ctrlPr>
                           <a:rPr lang="en-US" i="1">
-                            <a:latin typeface="Cambria Math" panose="02040503050406030204" pitchFamily="18" charset="0"/>
+                            <a:latin typeface="Cambria Math"/>
                           </a:rPr>
                         </m:ctrlPr>
                       </m:sSubPr>
@@ -24991,488 +24298,35 @@
           </p:sp>
         </mc:Fallback>
       </mc:AlternateContent>
-      <p:graphicFrame>
-        <p:nvGraphicFramePr>
-          <p:cNvPr id="292868" name="Object 4"/>
-          <p:cNvGraphicFramePr>
-            <a:graphicFrameLocks noGrp="1" noChangeAspect="1"/>
-          </p:cNvGraphicFramePr>
+      <p:pic>
+        <p:nvPicPr>
+          <p:cNvPr id="3" name="Content Placeholder 2" descr="Population proportions equation."/>
+          <p:cNvPicPr>
+            <a:picLocks noGrp="1" noChangeAspect="1"/>
+          </p:cNvPicPr>
           <p:nvPr>
             <p:ph sz="quarter" idx="3"/>
-            <p:extLst/>
           </p:nvPr>
-        </p:nvGraphicFramePr>
-        <p:xfrm>
-          <a:off x="1419225" y="2090738"/>
-          <a:ext cx="6169025" cy="803275"/>
-        </p:xfrm>
-        <a:graphic>
-          <a:graphicData uri="http://schemas.openxmlformats.org/presentationml/2006/ole">
-            <mc:AlternateContent xmlns:mc="http://schemas.openxmlformats.org/markup-compatibility/2006">
-              <mc:Choice xmlns:v="urn:schemas-microsoft-com:vml" Requires="v">
-                <p:oleObj spid="_x0000_s116750" name="Equation" r:id="rId5" imgW="1854000" imgH="241200" progId="Equation.DSMT4">
-                  <p:embed/>
-                </p:oleObj>
-              </mc:Choice>
-              <mc:Fallback>
-                <p:oleObj name="Equation" r:id="rId5" imgW="1854000" imgH="241200" progId="Equation.DSMT4">
-                  <p:embed/>
-                  <p:pic>
-                    <p:nvPicPr>
-                      <p:cNvPr id="292868" name="Object 4"/>
-                      <p:cNvPicPr>
-                        <a:picLocks noChangeAspect="1" noChangeArrowheads="1"/>
-                      </p:cNvPicPr>
-                      <p:nvPr/>
-                    </p:nvPicPr>
-                    <p:blipFill>
-                      <a:blip r:embed="rId6"/>
-                      <a:srcRect/>
-                      <a:stretch>
-                        <a:fillRect/>
-                      </a:stretch>
-                    </p:blipFill>
-                    <p:spPr bwMode="auto">
-                      <a:xfrm>
-                        <a:off x="1419225" y="2090738"/>
-                        <a:ext cx="6169025" cy="803275"/>
-                      </a:xfrm>
-                      <a:prstGeom prst="rect">
-                        <a:avLst/>
-                      </a:prstGeom>
-                      <a:noFill/>
-                      <a:ln>
-                        <a:noFill/>
-                      </a:ln>
-                      <a:effectLst/>
-                    </p:spPr>
-                  </p:pic>
-                </p:oleObj>
-              </mc:Fallback>
-            </mc:AlternateContent>
-          </a:graphicData>
-        </a:graphic>
-      </p:graphicFrame>
-      <p:sp>
-        <p:nvSpPr>
-          <p:cNvPr id="292869" name="Rectangle 5"/>
-          <p:cNvSpPr>
-            <a:spLocks noChangeArrowheads="1"/>
-          </p:cNvSpPr>
-          <p:nvPr/>
-        </p:nvSpPr>
-        <p:spPr bwMode="auto">
+        </p:nvPicPr>
+        <p:blipFill>
+          <a:blip r:embed="rId5" cstate="print">
+            <a:extLst>
+              <a:ext uri="{28A0092B-C50C-407E-A947-70E740481C1C}">
+                <a14:useLocalDpi xmlns:a14="http://schemas.microsoft.com/office/drawing/2010/main" val="0"/>
+              </a:ext>
+            </a:extLst>
+          </a:blip>
+          <a:stretch>
+            <a:fillRect/>
+          </a:stretch>
+        </p:blipFill>
+        <p:spPr>
           <a:xfrm>
-            <a:off x="0" y="0"/>
-            <a:ext cx="9144000" cy="0"/>
+            <a:off x="1809138" y="2183133"/>
+            <a:ext cx="5506062" cy="817241"/>
           </a:xfrm>
-          <a:prstGeom prst="rect">
-            <a:avLst/>
-          </a:prstGeom>
-          <a:noFill/>
-          <a:ln>
-            <a:noFill/>
-          </a:ln>
-          <a:effectLst/>
-          <a:extLst>
-            <a:ext uri="{909E8E84-426E-40DD-AFC4-6F175D3DCCD1}">
-              <a14:hiddenFill xmlns:a14="http://schemas.microsoft.com/office/drawing/2010/main">
-                <a:solidFill>
-                  <a:schemeClr val="accent1"/>
-                </a:solidFill>
-              </a14:hiddenFill>
-            </a:ext>
-            <a:ext uri="{91240B29-F687-4F45-9708-019B960494DF}">
-              <a14:hiddenLine xmlns:a14="http://schemas.microsoft.com/office/drawing/2010/main" w="9525">
-                <a:solidFill>
-                  <a:schemeClr val="tx1"/>
-                </a:solidFill>
-                <a:miter lim="800000"/>
-                <a:headEnd/>
-                <a:tailEnd/>
-              </a14:hiddenLine>
-            </a:ext>
-            <a:ext uri="{AF507438-7753-43E0-B8FC-AC1667EBCBE1}">
-              <a14:hiddenEffects xmlns:a14="http://schemas.microsoft.com/office/drawing/2010/main">
-                <a:effectLst>
-                  <a:outerShdw dist="35921" dir="2700000" algn="ctr" rotWithShape="0">
-                    <a:schemeClr val="bg2"/>
-                  </a:outerShdw>
-                </a:effectLst>
-              </a14:hiddenEffects>
-            </a:ext>
-          </a:extLst>
         </p:spPr>
-        <p:txBody>
-          <a:bodyPr wrap="none" anchor="ctr">
-            <a:spAutoFit/>
-          </a:bodyPr>
-          <a:lstStyle/>
-          <a:p>
-            <a:endParaRPr lang="en-US"/>
-          </a:p>
-        </p:txBody>
-      </p:sp>
-      <p:sp>
-        <p:nvSpPr>
-          <p:cNvPr id="292870" name="Rectangle 6"/>
-          <p:cNvSpPr>
-            <a:spLocks noChangeArrowheads="1"/>
-          </p:cNvSpPr>
-          <p:nvPr/>
-        </p:nvSpPr>
-        <p:spPr bwMode="auto">
-          <a:xfrm>
-            <a:off x="0" y="0"/>
-            <a:ext cx="9144000" cy="0"/>
-          </a:xfrm>
-          <a:prstGeom prst="rect">
-            <a:avLst/>
-          </a:prstGeom>
-          <a:noFill/>
-          <a:ln>
-            <a:noFill/>
-          </a:ln>
-          <a:effectLst/>
-          <a:extLst>
-            <a:ext uri="{909E8E84-426E-40DD-AFC4-6F175D3DCCD1}">
-              <a14:hiddenFill xmlns:a14="http://schemas.microsoft.com/office/drawing/2010/main">
-                <a:solidFill>
-                  <a:schemeClr val="accent1"/>
-                </a:solidFill>
-              </a14:hiddenFill>
-            </a:ext>
-            <a:ext uri="{91240B29-F687-4F45-9708-019B960494DF}">
-              <a14:hiddenLine xmlns:a14="http://schemas.microsoft.com/office/drawing/2010/main" w="9525">
-                <a:solidFill>
-                  <a:schemeClr val="tx1"/>
-                </a:solidFill>
-                <a:miter lim="800000"/>
-                <a:headEnd/>
-                <a:tailEnd/>
-              </a14:hiddenLine>
-            </a:ext>
-            <a:ext uri="{AF507438-7753-43E0-B8FC-AC1667EBCBE1}">
-              <a14:hiddenEffects xmlns:a14="http://schemas.microsoft.com/office/drawing/2010/main">
-                <a:effectLst>
-                  <a:outerShdw dist="35921" dir="2700000" algn="ctr" rotWithShape="0">
-                    <a:schemeClr val="bg2"/>
-                  </a:outerShdw>
-                </a:effectLst>
-              </a14:hiddenEffects>
-            </a:ext>
-          </a:extLst>
-        </p:spPr>
-        <p:txBody>
-          <a:bodyPr wrap="none" anchor="ctr">
-            <a:spAutoFit/>
-          </a:bodyPr>
-          <a:lstStyle/>
-          <a:p>
-            <a:endParaRPr lang="en-US"/>
-          </a:p>
-        </p:txBody>
-      </p:sp>
-      <p:sp>
-        <p:nvSpPr>
-          <p:cNvPr id="292871" name="Rectangle 7"/>
-          <p:cNvSpPr>
-            <a:spLocks noChangeArrowheads="1"/>
-          </p:cNvSpPr>
-          <p:nvPr/>
-        </p:nvSpPr>
-        <p:spPr bwMode="auto">
-          <a:xfrm>
-            <a:off x="0" y="0"/>
-            <a:ext cx="9144000" cy="0"/>
-          </a:xfrm>
-          <a:prstGeom prst="rect">
-            <a:avLst/>
-          </a:prstGeom>
-          <a:noFill/>
-          <a:ln>
-            <a:noFill/>
-          </a:ln>
-          <a:effectLst/>
-          <a:extLst>
-            <a:ext uri="{909E8E84-426E-40DD-AFC4-6F175D3DCCD1}">
-              <a14:hiddenFill xmlns:a14="http://schemas.microsoft.com/office/drawing/2010/main">
-                <a:solidFill>
-                  <a:schemeClr val="accent1"/>
-                </a:solidFill>
-              </a14:hiddenFill>
-            </a:ext>
-            <a:ext uri="{91240B29-F687-4F45-9708-019B960494DF}">
-              <a14:hiddenLine xmlns:a14="http://schemas.microsoft.com/office/drawing/2010/main" w="9525">
-                <a:solidFill>
-                  <a:schemeClr val="tx1"/>
-                </a:solidFill>
-                <a:miter lim="800000"/>
-                <a:headEnd/>
-                <a:tailEnd/>
-              </a14:hiddenLine>
-            </a:ext>
-            <a:ext uri="{AF507438-7753-43E0-B8FC-AC1667EBCBE1}">
-              <a14:hiddenEffects xmlns:a14="http://schemas.microsoft.com/office/drawing/2010/main">
-                <a:effectLst>
-                  <a:outerShdw dist="35921" dir="2700000" algn="ctr" rotWithShape="0">
-                    <a:schemeClr val="bg2"/>
-                  </a:outerShdw>
-                </a:effectLst>
-              </a14:hiddenEffects>
-            </a:ext>
-          </a:extLst>
-        </p:spPr>
-        <p:txBody>
-          <a:bodyPr wrap="none" anchor="ctr">
-            <a:spAutoFit/>
-          </a:bodyPr>
-          <a:lstStyle/>
-          <a:p>
-            <a:endParaRPr lang="en-US"/>
-          </a:p>
-        </p:txBody>
-      </p:sp>
-      <p:sp>
-        <p:nvSpPr>
-          <p:cNvPr id="292872" name="Rectangle 8"/>
-          <p:cNvSpPr>
-            <a:spLocks noChangeArrowheads="1"/>
-          </p:cNvSpPr>
-          <p:nvPr/>
-        </p:nvSpPr>
-        <p:spPr bwMode="auto">
-          <a:xfrm>
-            <a:off x="0" y="0"/>
-            <a:ext cx="9144000" cy="0"/>
-          </a:xfrm>
-          <a:prstGeom prst="rect">
-            <a:avLst/>
-          </a:prstGeom>
-          <a:noFill/>
-          <a:ln>
-            <a:noFill/>
-          </a:ln>
-          <a:effectLst/>
-          <a:extLst>
-            <a:ext uri="{909E8E84-426E-40DD-AFC4-6F175D3DCCD1}">
-              <a14:hiddenFill xmlns:a14="http://schemas.microsoft.com/office/drawing/2010/main">
-                <a:solidFill>
-                  <a:schemeClr val="accent1"/>
-                </a:solidFill>
-              </a14:hiddenFill>
-            </a:ext>
-            <a:ext uri="{91240B29-F687-4F45-9708-019B960494DF}">
-              <a14:hiddenLine xmlns:a14="http://schemas.microsoft.com/office/drawing/2010/main" w="9525">
-                <a:solidFill>
-                  <a:schemeClr val="tx1"/>
-                </a:solidFill>
-                <a:miter lim="800000"/>
-                <a:headEnd/>
-                <a:tailEnd/>
-              </a14:hiddenLine>
-            </a:ext>
-            <a:ext uri="{AF507438-7753-43E0-B8FC-AC1667EBCBE1}">
-              <a14:hiddenEffects xmlns:a14="http://schemas.microsoft.com/office/drawing/2010/main">
-                <a:effectLst>
-                  <a:outerShdw dist="35921" dir="2700000" algn="ctr" rotWithShape="0">
-                    <a:schemeClr val="bg2"/>
-                  </a:outerShdw>
-                </a:effectLst>
-              </a14:hiddenEffects>
-            </a:ext>
-          </a:extLst>
-        </p:spPr>
-        <p:txBody>
-          <a:bodyPr wrap="none" anchor="ctr">
-            <a:spAutoFit/>
-          </a:bodyPr>
-          <a:lstStyle/>
-          <a:p>
-            <a:endParaRPr lang="en-US"/>
-          </a:p>
-        </p:txBody>
-      </p:sp>
-      <p:sp>
-        <p:nvSpPr>
-          <p:cNvPr id="292875" name="Rectangle 11"/>
-          <p:cNvSpPr>
-            <a:spLocks noChangeArrowheads="1"/>
-          </p:cNvSpPr>
-          <p:nvPr/>
-        </p:nvSpPr>
-        <p:spPr bwMode="auto">
-          <a:xfrm>
-            <a:off x="0" y="0"/>
-            <a:ext cx="9144000" cy="0"/>
-          </a:xfrm>
-          <a:prstGeom prst="rect">
-            <a:avLst/>
-          </a:prstGeom>
-          <a:noFill/>
-          <a:ln>
-            <a:noFill/>
-          </a:ln>
-          <a:effectLst/>
-          <a:extLst>
-            <a:ext uri="{909E8E84-426E-40DD-AFC4-6F175D3DCCD1}">
-              <a14:hiddenFill xmlns:a14="http://schemas.microsoft.com/office/drawing/2010/main">
-                <a:solidFill>
-                  <a:schemeClr val="accent1"/>
-                </a:solidFill>
-              </a14:hiddenFill>
-            </a:ext>
-            <a:ext uri="{91240B29-F687-4F45-9708-019B960494DF}">
-              <a14:hiddenLine xmlns:a14="http://schemas.microsoft.com/office/drawing/2010/main" w="9525">
-                <a:solidFill>
-                  <a:schemeClr val="tx1"/>
-                </a:solidFill>
-                <a:miter lim="800000"/>
-                <a:headEnd/>
-                <a:tailEnd/>
-              </a14:hiddenLine>
-            </a:ext>
-            <a:ext uri="{AF507438-7753-43E0-B8FC-AC1667EBCBE1}">
-              <a14:hiddenEffects xmlns:a14="http://schemas.microsoft.com/office/drawing/2010/main">
-                <a:effectLst>
-                  <a:outerShdw dist="35921" dir="2700000" algn="ctr" rotWithShape="0">
-                    <a:schemeClr val="bg2"/>
-                  </a:outerShdw>
-                </a:effectLst>
-              </a14:hiddenEffects>
-            </a:ext>
-          </a:extLst>
-        </p:spPr>
-        <p:txBody>
-          <a:bodyPr wrap="none" anchor="ctr">
-            <a:spAutoFit/>
-          </a:bodyPr>
-          <a:lstStyle/>
-          <a:p>
-            <a:endParaRPr lang="en-US"/>
-          </a:p>
-        </p:txBody>
-      </p:sp>
-      <p:sp>
-        <p:nvSpPr>
-          <p:cNvPr id="292876" name="Rectangle 12"/>
-          <p:cNvSpPr>
-            <a:spLocks noChangeArrowheads="1"/>
-          </p:cNvSpPr>
-          <p:nvPr/>
-        </p:nvSpPr>
-        <p:spPr bwMode="auto">
-          <a:xfrm>
-            <a:off x="0" y="0"/>
-            <a:ext cx="9144000" cy="0"/>
-          </a:xfrm>
-          <a:prstGeom prst="rect">
-            <a:avLst/>
-          </a:prstGeom>
-          <a:noFill/>
-          <a:ln>
-            <a:noFill/>
-          </a:ln>
-          <a:effectLst/>
-          <a:extLst>
-            <a:ext uri="{909E8E84-426E-40DD-AFC4-6F175D3DCCD1}">
-              <a14:hiddenFill xmlns:a14="http://schemas.microsoft.com/office/drawing/2010/main">
-                <a:solidFill>
-                  <a:schemeClr val="accent1"/>
-                </a:solidFill>
-              </a14:hiddenFill>
-            </a:ext>
-            <a:ext uri="{91240B29-F687-4F45-9708-019B960494DF}">
-              <a14:hiddenLine xmlns:a14="http://schemas.microsoft.com/office/drawing/2010/main" w="9525">
-                <a:solidFill>
-                  <a:schemeClr val="tx1"/>
-                </a:solidFill>
-                <a:miter lim="800000"/>
-                <a:headEnd/>
-                <a:tailEnd/>
-              </a14:hiddenLine>
-            </a:ext>
-            <a:ext uri="{AF507438-7753-43E0-B8FC-AC1667EBCBE1}">
-              <a14:hiddenEffects xmlns:a14="http://schemas.microsoft.com/office/drawing/2010/main">
-                <a:effectLst>
-                  <a:outerShdw dist="35921" dir="2700000" algn="ctr" rotWithShape="0">
-                    <a:schemeClr val="bg2"/>
-                  </a:outerShdw>
-                </a:effectLst>
-              </a14:hiddenEffects>
-            </a:ext>
-          </a:extLst>
-        </p:spPr>
-        <p:txBody>
-          <a:bodyPr wrap="none" anchor="ctr">
-            <a:spAutoFit/>
-          </a:bodyPr>
-          <a:lstStyle/>
-          <a:p>
-            <a:endParaRPr lang="en-US"/>
-          </a:p>
-        </p:txBody>
-      </p:sp>
-      <p:sp>
-        <p:nvSpPr>
-          <p:cNvPr id="292878" name="Rectangle 14"/>
-          <p:cNvSpPr>
-            <a:spLocks noChangeArrowheads="1"/>
-          </p:cNvSpPr>
-          <p:nvPr/>
-        </p:nvSpPr>
-        <p:spPr bwMode="auto">
-          <a:xfrm>
-            <a:off x="0" y="0"/>
-            <a:ext cx="9144000" cy="0"/>
-          </a:xfrm>
-          <a:prstGeom prst="rect">
-            <a:avLst/>
-          </a:prstGeom>
-          <a:noFill/>
-          <a:ln>
-            <a:noFill/>
-          </a:ln>
-          <a:effectLst/>
-          <a:extLst>
-            <a:ext uri="{909E8E84-426E-40DD-AFC4-6F175D3DCCD1}">
-              <a14:hiddenFill xmlns:a14="http://schemas.microsoft.com/office/drawing/2010/main">
-                <a:solidFill>
-                  <a:schemeClr val="accent1"/>
-                </a:solidFill>
-              </a14:hiddenFill>
-            </a:ext>
-            <a:ext uri="{91240B29-F687-4F45-9708-019B960494DF}">
-              <a14:hiddenLine xmlns:a14="http://schemas.microsoft.com/office/drawing/2010/main" w="9525">
-                <a:solidFill>
-                  <a:schemeClr val="tx1"/>
-                </a:solidFill>
-                <a:miter lim="800000"/>
-                <a:headEnd/>
-                <a:tailEnd/>
-              </a14:hiddenLine>
-            </a:ext>
-            <a:ext uri="{AF507438-7753-43E0-B8FC-AC1667EBCBE1}">
-              <a14:hiddenEffects xmlns:a14="http://schemas.microsoft.com/office/drawing/2010/main">
-                <a:effectLst>
-                  <a:outerShdw dist="35921" dir="2700000" algn="ctr" rotWithShape="0">
-                    <a:schemeClr val="bg2"/>
-                  </a:outerShdw>
-                </a:effectLst>
-              </a14:hiddenEffects>
-            </a:ext>
-          </a:extLst>
-        </p:spPr>
-        <p:txBody>
-          <a:bodyPr wrap="none" anchor="ctr">
-            <a:spAutoFit/>
-          </a:bodyPr>
-          <a:lstStyle/>
-          <a:p>
-            <a:endParaRPr lang="en-US"/>
-          </a:p>
-        </p:txBody>
-      </p:sp>
+      </p:pic>
     </p:spTree>
     <p:extLst>
       <p:ext uri="{BB962C8B-B14F-4D97-AF65-F5344CB8AC3E}">
@@ -25548,7 +24402,7 @@
                             <a:solidFill>
                               <a:schemeClr val="bg1"/>
                             </a:solidFill>
-                            <a:latin typeface="Cambria Math" panose="02040503050406030204" pitchFamily="18" charset="0"/>
+                            <a:latin typeface="Cambria Math"/>
                             <a:cs typeface="Arial" pitchFamily="34" charset="0"/>
                           </a:rPr>
                         </m:ctrlPr>
@@ -25708,7 +24562,7 @@
                       <m:sSubPr>
                         <m:ctrlPr>
                           <a:rPr lang="en-US" sz="11200" i="1" smtClean="0">
-                            <a:latin typeface="Cambria Math" panose="02040503050406030204" pitchFamily="18" charset="0"/>
+                            <a:latin typeface="Cambria Math"/>
                           </a:rPr>
                         </m:ctrlPr>
                       </m:sSubPr>
@@ -25739,7 +24593,7 @@
                       <m:fPr>
                         <m:ctrlPr>
                           <a:rPr lang="en-US" sz="11200" b="0" i="1" smtClean="0">
-                            <a:latin typeface="Cambria Math" panose="02040503050406030204" pitchFamily="18" charset="0"/>
+                            <a:latin typeface="Cambria Math"/>
                           </a:rPr>
                         </m:ctrlPr>
                       </m:fPr>
@@ -25751,7 +24605,7 @@
                             <m:supHide m:val="on"/>
                             <m:ctrlPr>
                               <a:rPr lang="en-US" sz="11200" b="0" i="1" smtClean="0">
-                                <a:latin typeface="Cambria Math" panose="02040503050406030204" pitchFamily="18" charset="0"/>
+                                <a:latin typeface="Cambria Math"/>
                               </a:rPr>
                             </m:ctrlPr>
                           </m:naryPr>
@@ -25776,7 +24630,7 @@
                               <m:sSubPr>
                                 <m:ctrlPr>
                                   <a:rPr lang="en-US" sz="11200" b="0" i="1" smtClean="0">
-                                    <a:latin typeface="Cambria Math" panose="02040503050406030204" pitchFamily="18" charset="0"/>
+                                    <a:latin typeface="Cambria Math"/>
                                     <a:ea typeface="Cambria Math"/>
                                   </a:rPr>
                                 </m:ctrlPr>
@@ -25807,7 +24661,7 @@
                               <m:sSubPr>
                                 <m:ctrlPr>
                                   <a:rPr lang="en-US" sz="11200" b="0" i="1" smtClean="0">
-                                    <a:latin typeface="Cambria Math" panose="02040503050406030204" pitchFamily="18" charset="0"/>
+                                    <a:latin typeface="Cambria Math"/>
                                   </a:rPr>
                                 </m:ctrlPr>
                               </m:sSubPr>
@@ -25832,7 +24686,7 @@
                               <m:sSubPr>
                                 <m:ctrlPr>
                                   <a:rPr lang="en-US" sz="11200" b="0" i="1" smtClean="0">
-                                    <a:latin typeface="Cambria Math" panose="02040503050406030204" pitchFamily="18" charset="0"/>
+                                    <a:latin typeface="Cambria Math"/>
                                   </a:rPr>
                                 </m:ctrlPr>
                               </m:sSubPr>
@@ -25864,7 +24718,7 @@
                             <m:supHide m:val="on"/>
                             <m:ctrlPr>
                               <a:rPr lang="en-US" sz="11200" i="1">
-                                <a:latin typeface="Cambria Math" panose="02040503050406030204" pitchFamily="18" charset="0"/>
+                                <a:latin typeface="Cambria Math"/>
                               </a:rPr>
                             </m:ctrlPr>
                           </m:naryPr>
@@ -25889,7 +24743,7 @@
                               <m:sSubPr>
                                 <m:ctrlPr>
                                   <a:rPr lang="en-US" sz="11200" i="1">
-                                    <a:latin typeface="Cambria Math" panose="02040503050406030204" pitchFamily="18" charset="0"/>
+                                    <a:latin typeface="Cambria Math"/>
                                     <a:ea typeface="Cambria Math"/>
                                   </a:rPr>
                                 </m:ctrlPr>
@@ -25920,7 +24774,7 @@
                               <m:sSubPr>
                                 <m:ctrlPr>
                                   <a:rPr lang="en-US" sz="11200" i="1">
-                                    <a:latin typeface="Cambria Math" panose="02040503050406030204" pitchFamily="18" charset="0"/>
+                                    <a:latin typeface="Cambria Math"/>
                                   </a:rPr>
                                 </m:ctrlPr>
                               </m:sSubPr>
@@ -26039,7 +24893,7 @@
                       <m:sSubPr>
                         <m:ctrlPr>
                           <a:rPr lang="en-US" sz="11200" i="1" smtClean="0">
-                            <a:latin typeface="Cambria Math" panose="02040503050406030204" pitchFamily="18" charset="0"/>
+                            <a:latin typeface="Cambria Math"/>
                           </a:rPr>
                         </m:ctrlPr>
                       </m:sSubPr>
@@ -26064,7 +24918,7 @@
                       <m:dPr>
                         <m:ctrlPr>
                           <a:rPr lang="en-US" sz="11200" i="1" smtClean="0">
-                            <a:latin typeface="Cambria Math" panose="02040503050406030204" pitchFamily="18" charset="0"/>
+                            <a:latin typeface="Cambria Math"/>
                           </a:rPr>
                         </m:ctrlPr>
                       </m:dPr>
@@ -26073,7 +24927,7 @@
                           <m:sSubPr>
                             <m:ctrlPr>
                               <a:rPr lang="en-US" sz="11200" i="1" smtClean="0">
-                                <a:latin typeface="Cambria Math" panose="02040503050406030204" pitchFamily="18" charset="0"/>
+                                <a:latin typeface="Cambria Math"/>
                               </a:rPr>
                             </m:ctrlPr>
                           </m:sSubPr>
@@ -26108,7 +24962,7 @@
                       <m:fPr>
                         <m:ctrlPr>
                           <a:rPr lang="en-US" sz="11200" i="1" dirty="0" smtClean="0">
-                            <a:latin typeface="Cambria Math" panose="02040503050406030204" pitchFamily="18" charset="0"/>
+                            <a:latin typeface="Cambria Math"/>
                           </a:rPr>
                         </m:ctrlPr>
                       </m:fPr>
@@ -26117,7 +24971,7 @@
                           <m:sSubPr>
                             <m:ctrlPr>
                               <a:rPr lang="en-US" sz="11200" i="1" dirty="0" smtClean="0">
-                                <a:latin typeface="Cambria Math" panose="02040503050406030204" pitchFamily="18" charset="0"/>
+                                <a:latin typeface="Cambria Math"/>
                               </a:rPr>
                             </m:ctrlPr>
                           </m:sSubPr>
@@ -26142,7 +24996,7 @@
                           <m:dPr>
                             <m:ctrlPr>
                               <a:rPr lang="en-US" sz="11200" i="1" dirty="0" smtClean="0">
-                                <a:latin typeface="Cambria Math" panose="02040503050406030204" pitchFamily="18" charset="0"/>
+                                <a:latin typeface="Cambria Math"/>
                               </a:rPr>
                             </m:ctrlPr>
                           </m:dPr>
@@ -26157,7 +25011,7 @@
                               <m:sSubPr>
                                 <m:ctrlPr>
                                   <a:rPr lang="en-US" sz="11200" b="0" i="1" dirty="0" smtClean="0">
-                                    <a:latin typeface="Cambria Math" panose="02040503050406030204" pitchFamily="18" charset="0"/>
+                                    <a:latin typeface="Cambria Math"/>
                                   </a:rPr>
                                 </m:ctrlPr>
                               </m:sSubPr>
@@ -26186,7 +25040,7 @@
                           <m:sSubPr>
                             <m:ctrlPr>
                               <a:rPr lang="en-US" sz="11200" i="1" dirty="0" smtClean="0">
-                                <a:latin typeface="Cambria Math" panose="02040503050406030204" pitchFamily="18" charset="0"/>
+                                <a:latin typeface="Cambria Math"/>
                               </a:rPr>
                             </m:ctrlPr>
                           </m:sSubPr>
@@ -26219,7 +25073,7 @@
                       <m:sSubPr>
                         <m:ctrlPr>
                           <a:rPr lang="en-US" sz="11200" b="0" i="1" dirty="0" smtClean="0">
-                            <a:latin typeface="Cambria Math" panose="02040503050406030204" pitchFamily="18" charset="0"/>
+                            <a:latin typeface="Cambria Math"/>
                           </a:rPr>
                         </m:ctrlPr>
                       </m:sSubPr>
@@ -26293,7 +25147,7 @@
                       <m:sSubPr>
                         <m:ctrlPr>
                           <a:rPr lang="en-US" sz="8000" i="1" smtClean="0">
-                            <a:latin typeface="Cambria Math" panose="02040503050406030204" pitchFamily="18" charset="0"/>
+                            <a:latin typeface="Cambria Math"/>
                           </a:rPr>
                         </m:ctrlPr>
                       </m:sSubPr>
@@ -26351,7 +25205,7 @@
                             <a:solidFill>
                               <a:srgbClr val="FF0000"/>
                             </a:solidFill>
-                            <a:latin typeface="Cambria Math" panose="02040503050406030204" pitchFamily="18" charset="0"/>
+                            <a:latin typeface="Cambria Math"/>
                             <a:cs typeface="Arial" pitchFamily="34" charset="0"/>
                           </a:rPr>
                         </m:ctrlPr>
@@ -26411,7 +25265,7 @@
                             <a:solidFill>
                               <a:srgbClr val="FF0000"/>
                             </a:solidFill>
-                            <a:latin typeface="Cambria Math" panose="02040503050406030204" pitchFamily="18" charset="0"/>
+                            <a:latin typeface="Cambria Math"/>
                             <a:cs typeface="Arial" pitchFamily="34" charset="0"/>
                           </a:rPr>
                         </m:ctrlPr>
@@ -26528,246 +25382,6 @@
           </p:sp>
         </mc:Fallback>
       </mc:AlternateContent>
-      <p:sp>
-        <p:nvSpPr>
-          <p:cNvPr id="294917" name="Rectangle 5"/>
-          <p:cNvSpPr>
-            <a:spLocks noChangeArrowheads="1"/>
-          </p:cNvSpPr>
-          <p:nvPr/>
-        </p:nvSpPr>
-        <p:spPr bwMode="auto">
-          <a:xfrm>
-            <a:off x="0" y="0"/>
-            <a:ext cx="9144000" cy="0"/>
-          </a:xfrm>
-          <a:prstGeom prst="rect">
-            <a:avLst/>
-          </a:prstGeom>
-          <a:noFill/>
-          <a:ln>
-            <a:noFill/>
-          </a:ln>
-          <a:effectLst/>
-          <a:extLst>
-            <a:ext uri="{909E8E84-426E-40DD-AFC4-6F175D3DCCD1}">
-              <a14:hiddenFill xmlns:a14="http://schemas.microsoft.com/office/drawing/2010/main">
-                <a:solidFill>
-                  <a:schemeClr val="accent1"/>
-                </a:solidFill>
-              </a14:hiddenFill>
-            </a:ext>
-            <a:ext uri="{91240B29-F687-4F45-9708-019B960494DF}">
-              <a14:hiddenLine xmlns:a14="http://schemas.microsoft.com/office/drawing/2010/main" w="9525">
-                <a:solidFill>
-                  <a:schemeClr val="tx1"/>
-                </a:solidFill>
-                <a:miter lim="800000"/>
-                <a:headEnd/>
-                <a:tailEnd/>
-              </a14:hiddenLine>
-            </a:ext>
-            <a:ext uri="{AF507438-7753-43E0-B8FC-AC1667EBCBE1}">
-              <a14:hiddenEffects xmlns:a14="http://schemas.microsoft.com/office/drawing/2010/main">
-                <a:effectLst>
-                  <a:outerShdw dist="35921" dir="2700000" algn="ctr" rotWithShape="0">
-                    <a:schemeClr val="bg2"/>
-                  </a:outerShdw>
-                </a:effectLst>
-              </a14:hiddenEffects>
-            </a:ext>
-          </a:extLst>
-        </p:spPr>
-        <p:txBody>
-          <a:bodyPr wrap="none" anchor="ctr">
-            <a:spAutoFit/>
-          </a:bodyPr>
-          <a:lstStyle/>
-          <a:p>
-            <a:endParaRPr lang="en-US"/>
-          </a:p>
-        </p:txBody>
-      </p:sp>
-      <p:sp>
-        <p:nvSpPr>
-          <p:cNvPr id="294918" name="Rectangle 6"/>
-          <p:cNvSpPr>
-            <a:spLocks noChangeArrowheads="1"/>
-          </p:cNvSpPr>
-          <p:nvPr/>
-        </p:nvSpPr>
-        <p:spPr bwMode="auto">
-          <a:xfrm>
-            <a:off x="0" y="0"/>
-            <a:ext cx="9144000" cy="0"/>
-          </a:xfrm>
-          <a:prstGeom prst="rect">
-            <a:avLst/>
-          </a:prstGeom>
-          <a:noFill/>
-          <a:ln>
-            <a:noFill/>
-          </a:ln>
-          <a:effectLst/>
-          <a:extLst>
-            <a:ext uri="{909E8E84-426E-40DD-AFC4-6F175D3DCCD1}">
-              <a14:hiddenFill xmlns:a14="http://schemas.microsoft.com/office/drawing/2010/main">
-                <a:solidFill>
-                  <a:schemeClr val="accent1"/>
-                </a:solidFill>
-              </a14:hiddenFill>
-            </a:ext>
-            <a:ext uri="{91240B29-F687-4F45-9708-019B960494DF}">
-              <a14:hiddenLine xmlns:a14="http://schemas.microsoft.com/office/drawing/2010/main" w="9525">
-                <a:solidFill>
-                  <a:schemeClr val="tx1"/>
-                </a:solidFill>
-                <a:miter lim="800000"/>
-                <a:headEnd/>
-                <a:tailEnd/>
-              </a14:hiddenLine>
-            </a:ext>
-            <a:ext uri="{AF507438-7753-43E0-B8FC-AC1667EBCBE1}">
-              <a14:hiddenEffects xmlns:a14="http://schemas.microsoft.com/office/drawing/2010/main">
-                <a:effectLst>
-                  <a:outerShdw dist="35921" dir="2700000" algn="ctr" rotWithShape="0">
-                    <a:schemeClr val="bg2"/>
-                  </a:outerShdw>
-                </a:effectLst>
-              </a14:hiddenEffects>
-            </a:ext>
-          </a:extLst>
-        </p:spPr>
-        <p:txBody>
-          <a:bodyPr wrap="none" anchor="ctr">
-            <a:spAutoFit/>
-          </a:bodyPr>
-          <a:lstStyle/>
-          <a:p>
-            <a:endParaRPr lang="en-US"/>
-          </a:p>
-        </p:txBody>
-      </p:sp>
-      <p:sp>
-        <p:nvSpPr>
-          <p:cNvPr id="294919" name="Rectangle 7"/>
-          <p:cNvSpPr>
-            <a:spLocks noChangeArrowheads="1"/>
-          </p:cNvSpPr>
-          <p:nvPr/>
-        </p:nvSpPr>
-        <p:spPr bwMode="auto">
-          <a:xfrm>
-            <a:off x="0" y="0"/>
-            <a:ext cx="9144000" cy="0"/>
-          </a:xfrm>
-          <a:prstGeom prst="rect">
-            <a:avLst/>
-          </a:prstGeom>
-          <a:noFill/>
-          <a:ln>
-            <a:noFill/>
-          </a:ln>
-          <a:effectLst/>
-          <a:extLst>
-            <a:ext uri="{909E8E84-426E-40DD-AFC4-6F175D3DCCD1}">
-              <a14:hiddenFill xmlns:a14="http://schemas.microsoft.com/office/drawing/2010/main">
-                <a:solidFill>
-                  <a:schemeClr val="accent1"/>
-                </a:solidFill>
-              </a14:hiddenFill>
-            </a:ext>
-            <a:ext uri="{91240B29-F687-4F45-9708-019B960494DF}">
-              <a14:hiddenLine xmlns:a14="http://schemas.microsoft.com/office/drawing/2010/main" w="9525">
-                <a:solidFill>
-                  <a:schemeClr val="tx1"/>
-                </a:solidFill>
-                <a:miter lim="800000"/>
-                <a:headEnd/>
-                <a:tailEnd/>
-              </a14:hiddenLine>
-            </a:ext>
-            <a:ext uri="{AF507438-7753-43E0-B8FC-AC1667EBCBE1}">
-              <a14:hiddenEffects xmlns:a14="http://schemas.microsoft.com/office/drawing/2010/main">
-                <a:effectLst>
-                  <a:outerShdw dist="35921" dir="2700000" algn="ctr" rotWithShape="0">
-                    <a:schemeClr val="bg2"/>
-                  </a:outerShdw>
-                </a:effectLst>
-              </a14:hiddenEffects>
-            </a:ext>
-          </a:extLst>
-        </p:spPr>
-        <p:txBody>
-          <a:bodyPr wrap="none" anchor="ctr">
-            <a:spAutoFit/>
-          </a:bodyPr>
-          <a:lstStyle/>
-          <a:p>
-            <a:endParaRPr lang="en-US"/>
-          </a:p>
-        </p:txBody>
-      </p:sp>
-      <p:sp>
-        <p:nvSpPr>
-          <p:cNvPr id="294920" name="Rectangle 8"/>
-          <p:cNvSpPr>
-            <a:spLocks noChangeArrowheads="1"/>
-          </p:cNvSpPr>
-          <p:nvPr/>
-        </p:nvSpPr>
-        <p:spPr bwMode="auto">
-          <a:xfrm>
-            <a:off x="0" y="0"/>
-            <a:ext cx="9144000" cy="0"/>
-          </a:xfrm>
-          <a:prstGeom prst="rect">
-            <a:avLst/>
-          </a:prstGeom>
-          <a:noFill/>
-          <a:ln>
-            <a:noFill/>
-          </a:ln>
-          <a:effectLst/>
-          <a:extLst>
-            <a:ext uri="{909E8E84-426E-40DD-AFC4-6F175D3DCCD1}">
-              <a14:hiddenFill xmlns:a14="http://schemas.microsoft.com/office/drawing/2010/main">
-                <a:solidFill>
-                  <a:schemeClr val="accent1"/>
-                </a:solidFill>
-              </a14:hiddenFill>
-            </a:ext>
-            <a:ext uri="{91240B29-F687-4F45-9708-019B960494DF}">
-              <a14:hiddenLine xmlns:a14="http://schemas.microsoft.com/office/drawing/2010/main" w="9525">
-                <a:solidFill>
-                  <a:schemeClr val="tx1"/>
-                </a:solidFill>
-                <a:miter lim="800000"/>
-                <a:headEnd/>
-                <a:tailEnd/>
-              </a14:hiddenLine>
-            </a:ext>
-            <a:ext uri="{AF507438-7753-43E0-B8FC-AC1667EBCBE1}">
-              <a14:hiddenEffects xmlns:a14="http://schemas.microsoft.com/office/drawing/2010/main">
-                <a:effectLst>
-                  <a:outerShdw dist="35921" dir="2700000" algn="ctr" rotWithShape="0">
-                    <a:schemeClr val="bg2"/>
-                  </a:outerShdw>
-                </a:effectLst>
-              </a14:hiddenEffects>
-            </a:ext>
-          </a:extLst>
-        </p:spPr>
-        <p:txBody>
-          <a:bodyPr wrap="none" anchor="ctr">
-            <a:spAutoFit/>
-          </a:bodyPr>
-          <a:lstStyle/>
-          <a:p>
-            <a:endParaRPr lang="en-US"/>
-          </a:p>
-        </p:txBody>
-      </p:sp>
     </p:spTree>
     <p:extLst>
       <p:ext uri="{BB962C8B-B14F-4D97-AF65-F5344CB8AC3E}">
